--- a/Customer_Lifetimevalue_Prediction.pptx
+++ b/Customer_Lifetimevalue_Prediction.pptx
@@ -5,26 +5,28 @@
     <p:sldMasterId id="2147483648" r:id="rId1"/>
   </p:sldMasterIdLst>
   <p:notesMasterIdLst>
-    <p:notesMasterId r:id="rId16"/>
+    <p:notesMasterId r:id="rId18"/>
   </p:notesMasterIdLst>
   <p:handoutMasterIdLst>
-    <p:handoutMasterId r:id="rId17"/>
+    <p:handoutMasterId r:id="rId19"/>
   </p:handoutMasterIdLst>
   <p:sldIdLst>
     <p:sldId id="256" r:id="rId2"/>
     <p:sldId id="257" r:id="rId3"/>
     <p:sldId id="267" r:id="rId4"/>
-    <p:sldId id="270" r:id="rId5"/>
-    <p:sldId id="259" r:id="rId6"/>
-    <p:sldId id="271" r:id="rId7"/>
-    <p:sldId id="272" r:id="rId8"/>
-    <p:sldId id="273" r:id="rId9"/>
-    <p:sldId id="274" r:id="rId10"/>
-    <p:sldId id="275" r:id="rId11"/>
-    <p:sldId id="276" r:id="rId12"/>
-    <p:sldId id="277" r:id="rId13"/>
-    <p:sldId id="278" r:id="rId14"/>
-    <p:sldId id="279" r:id="rId15"/>
+    <p:sldId id="280" r:id="rId5"/>
+    <p:sldId id="281" r:id="rId6"/>
+    <p:sldId id="270" r:id="rId7"/>
+    <p:sldId id="259" r:id="rId8"/>
+    <p:sldId id="271" r:id="rId9"/>
+    <p:sldId id="272" r:id="rId10"/>
+    <p:sldId id="273" r:id="rId11"/>
+    <p:sldId id="274" r:id="rId12"/>
+    <p:sldId id="275" r:id="rId13"/>
+    <p:sldId id="276" r:id="rId14"/>
+    <p:sldId id="277" r:id="rId15"/>
+    <p:sldId id="278" r:id="rId16"/>
+    <p:sldId id="279" r:id="rId17"/>
   </p:sldIdLst>
   <p:sldSz cx="12192000" cy="6858000"/>
   <p:notesSz cx="6858000" cy="9144000"/>
@@ -129,6 +131,10 @@
     </p:ext>
   </p:extLst>
 </p:presentation>
+</file>
+
+<file path=ppt/revisionInfo.xml><?xml version="1.0" encoding="utf-8"?>
+<p1510:revInfo xmlns:a="http://schemas.openxmlformats.org/drawingml/2006/main" xmlns:r="http://schemas.openxmlformats.org/officeDocument/2006/relationships" xmlns:p1510="http://schemas.microsoft.com/office/powerpoint/2015/10/main"/>
 </file>
 
 <file path=ppt/handoutMasters/handoutMaster1.xml><?xml version="1.0" encoding="utf-8"?>
@@ -4277,6 +4283,303 @@
           <a:chExt cx="0" cy="0"/>
         </a:xfrm>
       </p:grpSpPr>
+      <p:sp>
+        <p:nvSpPr>
+          <p:cNvPr id="11" name="Content Placeholder 10">
+            <a:extLst>
+              <a:ext uri="{FF2B5EF4-FFF2-40B4-BE49-F238E27FC236}">
+                <a16:creationId xmlns:a16="http://schemas.microsoft.com/office/drawing/2014/main" id="{352DE615-1DB1-4321-9407-4D3CF4C39732}"/>
+              </a:ext>
+            </a:extLst>
+          </p:cNvPr>
+          <p:cNvSpPr>
+            <a:spLocks noGrp="1"/>
+          </p:cNvSpPr>
+          <p:nvPr>
+            <p:ph idx="1"/>
+          </p:nvPr>
+        </p:nvSpPr>
+        <p:spPr>
+          <a:xfrm>
+            <a:off x="800100" y="5410200"/>
+            <a:ext cx="10553700" cy="1068514"/>
+          </a:xfrm>
+        </p:spPr>
+        <p:txBody>
+          <a:bodyPr>
+            <a:normAutofit/>
+          </a:bodyPr>
+          <a:lstStyle/>
+          <a:p>
+            <a:pPr marL="0" indent="0">
+              <a:buNone/>
+            </a:pPr>
+            <a:r>
+              <a:rPr lang="en-US" sz="1800" dirty="0"/>
+              <a:t>Created a new feature Recency.</a:t>
+            </a:r>
+          </a:p>
+          <a:p>
+            <a:pPr marL="0" indent="0">
+              <a:buNone/>
+            </a:pPr>
+            <a:r>
+              <a:rPr lang="en-US" sz="1800" dirty="0"/>
+              <a:t>More than 70% of customers were acquired within last year. </a:t>
+            </a:r>
+          </a:p>
+        </p:txBody>
+      </p:sp>
+      <p:pic>
+        <p:nvPicPr>
+          <p:cNvPr id="2" name="Picture 1">
+            <a:extLst>
+              <a:ext uri="{FF2B5EF4-FFF2-40B4-BE49-F238E27FC236}">
+                <a16:creationId xmlns:a16="http://schemas.microsoft.com/office/drawing/2014/main" id="{F8BE6700-E30B-4B18-BF54-14860F3745F1}"/>
+              </a:ext>
+            </a:extLst>
+          </p:cNvPr>
+          <p:cNvPicPr>
+            <a:picLocks noChangeAspect="1"/>
+          </p:cNvPicPr>
+          <p:nvPr/>
+        </p:nvPicPr>
+        <p:blipFill>
+          <a:blip r:embed="rId2"/>
+          <a:stretch>
+            <a:fillRect/>
+          </a:stretch>
+        </p:blipFill>
+        <p:spPr>
+          <a:xfrm>
+            <a:off x="800099" y="1234682"/>
+            <a:ext cx="10058400" cy="3973513"/>
+          </a:xfrm>
+          <a:prstGeom prst="rect">
+            <a:avLst/>
+          </a:prstGeom>
+        </p:spPr>
+      </p:pic>
+      <p:sp>
+        <p:nvSpPr>
+          <p:cNvPr id="4" name="TextBox 3">
+            <a:extLst>
+              <a:ext uri="{FF2B5EF4-FFF2-40B4-BE49-F238E27FC236}">
+                <a16:creationId xmlns:a16="http://schemas.microsoft.com/office/drawing/2014/main" id="{5836C2EE-BFC1-4A8E-A667-B015B3E03BFD}"/>
+              </a:ext>
+            </a:extLst>
+          </p:cNvPr>
+          <p:cNvSpPr txBox="1"/>
+          <p:nvPr/>
+        </p:nvSpPr>
+        <p:spPr>
+          <a:xfrm>
+            <a:off x="800099" y="263236"/>
+            <a:ext cx="8510155" cy="769441"/>
+          </a:xfrm>
+          <a:prstGeom prst="rect">
+            <a:avLst/>
+          </a:prstGeom>
+          <a:noFill/>
+        </p:spPr>
+        <p:txBody>
+          <a:bodyPr wrap="square" rtlCol="0">
+            <a:spAutoFit/>
+          </a:bodyPr>
+          <a:lstStyle/>
+          <a:p>
+            <a:r>
+              <a:rPr lang="en-US" sz="4400" dirty="0">
+                <a:latin typeface="+mj-lt"/>
+              </a:rPr>
+              <a:t>Recency Distribution </a:t>
+            </a:r>
+          </a:p>
+        </p:txBody>
+      </p:sp>
+    </p:spTree>
+    <p:extLst>
+      <p:ext uri="{BB962C8B-B14F-4D97-AF65-F5344CB8AC3E}">
+        <p14:creationId xmlns:p14="http://schemas.microsoft.com/office/powerpoint/2010/main" val="607970367"/>
+      </p:ext>
+    </p:extLst>
+  </p:cSld>
+  <p:clrMapOvr>
+    <a:masterClrMapping/>
+  </p:clrMapOvr>
+</p:sld>
+</file>
+
+<file path=ppt/slides/slide11.xml><?xml version="1.0" encoding="utf-8"?>
+<p:sld xmlns:a="http://schemas.openxmlformats.org/drawingml/2006/main" xmlns:r="http://schemas.openxmlformats.org/officeDocument/2006/relationships" xmlns:p="http://schemas.openxmlformats.org/presentationml/2006/main">
+  <p:cSld>
+    <p:spTree>
+      <p:nvGrpSpPr>
+        <p:cNvPr id="1" name=""/>
+        <p:cNvGrpSpPr/>
+        <p:nvPr/>
+      </p:nvGrpSpPr>
+      <p:grpSpPr>
+        <a:xfrm>
+          <a:off x="0" y="0"/>
+          <a:ext cx="0" cy="0"/>
+          <a:chOff x="0" y="0"/>
+          <a:chExt cx="0" cy="0"/>
+        </a:xfrm>
+      </p:grpSpPr>
+      <p:pic>
+        <p:nvPicPr>
+          <p:cNvPr id="2" name="Picture 1">
+            <a:extLst>
+              <a:ext uri="{FF2B5EF4-FFF2-40B4-BE49-F238E27FC236}">
+                <a16:creationId xmlns:a16="http://schemas.microsoft.com/office/drawing/2014/main" id="{A8F0CEF1-3771-46FE-BEBD-C4D7FDE9CE2C}"/>
+              </a:ext>
+            </a:extLst>
+          </p:cNvPr>
+          <p:cNvPicPr>
+            <a:picLocks noChangeAspect="1"/>
+          </p:cNvPicPr>
+          <p:nvPr/>
+        </p:nvPicPr>
+        <p:blipFill>
+          <a:blip r:embed="rId2"/>
+          <a:stretch>
+            <a:fillRect/>
+          </a:stretch>
+        </p:blipFill>
+        <p:spPr>
+          <a:xfrm>
+            <a:off x="596900" y="1237901"/>
+            <a:ext cx="4511676" cy="4382198"/>
+          </a:xfrm>
+          <a:prstGeom prst="rect">
+            <a:avLst/>
+          </a:prstGeom>
+        </p:spPr>
+      </p:pic>
+      <p:sp>
+        <p:nvSpPr>
+          <p:cNvPr id="3" name="TextBox 2">
+            <a:extLst>
+              <a:ext uri="{FF2B5EF4-FFF2-40B4-BE49-F238E27FC236}">
+                <a16:creationId xmlns:a16="http://schemas.microsoft.com/office/drawing/2014/main" id="{14299334-7159-45AF-8EBB-F1FEE34B9B1F}"/>
+              </a:ext>
+            </a:extLst>
+          </p:cNvPr>
+          <p:cNvSpPr txBox="1"/>
+          <p:nvPr/>
+        </p:nvSpPr>
+        <p:spPr>
+          <a:xfrm>
+            <a:off x="6095999" y="2628900"/>
+            <a:ext cx="5383237" cy="1754326"/>
+          </a:xfrm>
+          <a:prstGeom prst="rect">
+            <a:avLst/>
+          </a:prstGeom>
+          <a:noFill/>
+        </p:spPr>
+        <p:txBody>
+          <a:bodyPr wrap="square" rtlCol="0">
+            <a:spAutoFit/>
+          </a:bodyPr>
+          <a:lstStyle/>
+          <a:p>
+            <a:pPr marL="285750" indent="-285750">
+              <a:buFont typeface="Arial" panose="020B0604020202020204" pitchFamily="34" charset="0"/>
+              <a:buChar char="•"/>
+            </a:pPr>
+            <a:r>
+              <a:rPr lang="en-US" dirty="0"/>
+              <a:t>The target variable revenue is not normally distributed to use Linear regression algorithm. </a:t>
+            </a:r>
+          </a:p>
+          <a:p>
+            <a:pPr marL="285750" indent="-285750">
+              <a:buFont typeface="Arial" panose="020B0604020202020204" pitchFamily="34" charset="0"/>
+              <a:buChar char="•"/>
+            </a:pPr>
+            <a:endParaRPr lang="en-US" dirty="0"/>
+          </a:p>
+          <a:p>
+            <a:pPr marL="285750" indent="-285750">
+              <a:buFont typeface="Arial" panose="020B0604020202020204" pitchFamily="34" charset="0"/>
+              <a:buChar char="•"/>
+            </a:pPr>
+            <a:r>
+              <a:rPr lang="en-US" dirty="0"/>
+              <a:t>Created a base Decision Tree model and as the number of trees increased, the average prediction error decreased. </a:t>
+            </a:r>
+          </a:p>
+        </p:txBody>
+      </p:sp>
+      <p:sp>
+        <p:nvSpPr>
+          <p:cNvPr id="4" name="TextBox 3">
+            <a:extLst>
+              <a:ext uri="{FF2B5EF4-FFF2-40B4-BE49-F238E27FC236}">
+                <a16:creationId xmlns:a16="http://schemas.microsoft.com/office/drawing/2014/main" id="{44EBD1FB-5B01-4D92-83F4-725BAF120523}"/>
+              </a:ext>
+            </a:extLst>
+          </p:cNvPr>
+          <p:cNvSpPr txBox="1"/>
+          <p:nvPr/>
+        </p:nvSpPr>
+        <p:spPr>
+          <a:xfrm>
+            <a:off x="332509" y="263236"/>
+            <a:ext cx="8811491" cy="769441"/>
+          </a:xfrm>
+          <a:prstGeom prst="rect">
+            <a:avLst/>
+          </a:prstGeom>
+          <a:noFill/>
+        </p:spPr>
+        <p:txBody>
+          <a:bodyPr wrap="square" rtlCol="0">
+            <a:spAutoFit/>
+          </a:bodyPr>
+          <a:lstStyle/>
+          <a:p>
+            <a:r>
+              <a:rPr lang="en-US" sz="4400" dirty="0">
+                <a:latin typeface="+mj-lt"/>
+              </a:rPr>
+              <a:t>Model Selection</a:t>
+            </a:r>
+          </a:p>
+        </p:txBody>
+      </p:sp>
+    </p:spTree>
+    <p:extLst>
+      <p:ext uri="{BB962C8B-B14F-4D97-AF65-F5344CB8AC3E}">
+        <p14:creationId xmlns:p14="http://schemas.microsoft.com/office/powerpoint/2010/main" val="3607628493"/>
+      </p:ext>
+    </p:extLst>
+  </p:cSld>
+  <p:clrMapOvr>
+    <a:masterClrMapping/>
+  </p:clrMapOvr>
+</p:sld>
+</file>
+
+<file path=ppt/slides/slide12.xml><?xml version="1.0" encoding="utf-8"?>
+<p:sld xmlns:a="http://schemas.openxmlformats.org/drawingml/2006/main" xmlns:r="http://schemas.openxmlformats.org/officeDocument/2006/relationships" xmlns:p="http://schemas.openxmlformats.org/presentationml/2006/main">
+  <p:cSld>
+    <p:spTree>
+      <p:nvGrpSpPr>
+        <p:cNvPr id="1" name=""/>
+        <p:cNvGrpSpPr/>
+        <p:nvPr/>
+      </p:nvGrpSpPr>
+      <p:grpSpPr>
+        <a:xfrm>
+          <a:off x="0" y="0"/>
+          <a:ext cx="0" cy="0"/>
+          <a:chOff x="0" y="0"/>
+          <a:chExt cx="0" cy="0"/>
+        </a:xfrm>
+      </p:grpSpPr>
       <p:pic>
         <p:nvPicPr>
           <p:cNvPr id="4" name="Picture 3">
@@ -4320,7 +4623,7 @@
 </p:sld>
 </file>
 
-<file path=ppt/slides/slide11.xml><?xml version="1.0" encoding="utf-8"?>
+<file path=ppt/slides/slide13.xml><?xml version="1.0" encoding="utf-8"?>
 <p:sld xmlns:a="http://schemas.openxmlformats.org/drawingml/2006/main" xmlns:r="http://schemas.openxmlformats.org/officeDocument/2006/relationships" xmlns:p="http://schemas.openxmlformats.org/presentationml/2006/main">
   <p:cSld>
     <p:spTree>
@@ -4381,8 +4684,8 @@
         </p:nvSpPr>
         <p:spPr>
           <a:xfrm>
-            <a:off x="7426036" y="2274838"/>
-            <a:ext cx="3851564" cy="2308324"/>
+            <a:off x="7271292" y="1166842"/>
+            <a:ext cx="3851564" cy="4247317"/>
           </a:xfrm>
           <a:prstGeom prst="rect">
             <a:avLst/>
@@ -4401,15 +4704,7 @@
             </a:pPr>
             <a:r>
               <a:rPr lang="en-US" dirty="0"/>
-              <a:t>Using </a:t>
-            </a:r>
-            <a:r>
-              <a:rPr lang="en-US" dirty="0" err="1"/>
-              <a:t>Kmodes</a:t>
-            </a:r>
-            <a:r>
-              <a:rPr lang="en-US" dirty="0"/>
-              <a:t> Algorithm created Product Category clusters with respect to Revenue</a:t>
+              <a:t>There are 72 distinct product categories and the model wasn’t using all product categories in the model. </a:t>
             </a:r>
           </a:p>
           <a:p>
@@ -4425,8 +4720,12 @@
               <a:buChar char="•"/>
             </a:pPr>
             <a:r>
+              <a:rPr lang="en-US" dirty="0" err="1"/>
+              <a:t>Kmodes</a:t>
+            </a:r>
+            <a:r>
               <a:rPr lang="en-US" dirty="0"/>
-              <a:t>The cost function reduced at k=4</a:t>
+              <a:t> algorithm efficiently groups categorical variables. </a:t>
             </a:r>
           </a:p>
           <a:p>
@@ -4443,8 +4742,47 @@
             </a:pPr>
             <a:r>
               <a:rPr lang="en-US" dirty="0"/>
-              <a:t>Created 4 clusters and removed product category features </a:t>
-            </a:r>
+              <a:t>Created Product Category clusters with respect to Revenue.</a:t>
+            </a:r>
+          </a:p>
+          <a:p>
+            <a:pPr marL="285750" indent="-285750">
+              <a:buFont typeface="Arial" panose="020B0604020202020204" pitchFamily="34" charset="0"/>
+              <a:buChar char="•"/>
+            </a:pPr>
+            <a:endParaRPr lang="en-US" dirty="0"/>
+          </a:p>
+          <a:p>
+            <a:pPr marL="285750" indent="-285750">
+              <a:buFont typeface="Arial" panose="020B0604020202020204" pitchFamily="34" charset="0"/>
+              <a:buChar char="•"/>
+            </a:pPr>
+            <a:r>
+              <a:rPr lang="en-US" dirty="0"/>
+              <a:t>The cost function reduced at k=4.</a:t>
+            </a:r>
+          </a:p>
+          <a:p>
+            <a:pPr marL="285750" indent="-285750">
+              <a:buFont typeface="Arial" panose="020B0604020202020204" pitchFamily="34" charset="0"/>
+              <a:buChar char="•"/>
+            </a:pPr>
+            <a:endParaRPr lang="en-US" dirty="0"/>
+          </a:p>
+          <a:p>
+            <a:pPr marL="285750" indent="-285750">
+              <a:buFont typeface="Arial" panose="020B0604020202020204" pitchFamily="34" charset="0"/>
+              <a:buChar char="•"/>
+            </a:pPr>
+            <a:r>
+              <a:rPr lang="en-US" dirty="0"/>
+              <a:t>Created 4 clusters and removed product </a:t>
+            </a:r>
+            <a:r>
+              <a:rPr lang="en-US"/>
+              <a:t>category features. </a:t>
+            </a:r>
+            <a:endParaRPr lang="en-US" dirty="0"/>
           </a:p>
         </p:txBody>
       </p:sp>
@@ -4504,7 +4842,7 @@
 </p:sld>
 </file>
 
-<file path=ppt/slides/slide12.xml><?xml version="1.0" encoding="utf-8"?>
+<file path=ppt/slides/slide14.xml><?xml version="1.0" encoding="utf-8"?>
 <p:sld xmlns:a="http://schemas.openxmlformats.org/drawingml/2006/main" xmlns:r="http://schemas.openxmlformats.org/officeDocument/2006/relationships" xmlns:p="http://schemas.openxmlformats.org/presentationml/2006/main">
   <p:cSld>
     <p:spTree>
@@ -4601,7 +4939,7 @@
 </p:sld>
 </file>
 
-<file path=ppt/slides/slide13.xml><?xml version="1.0" encoding="utf-8"?>
+<file path=ppt/slides/slide15.xml><?xml version="1.0" encoding="utf-8"?>
 <p:sld xmlns:a="http://schemas.openxmlformats.org/drawingml/2006/main" xmlns:r="http://schemas.openxmlformats.org/officeDocument/2006/relationships" xmlns:p="http://schemas.openxmlformats.org/presentationml/2006/main">
   <p:cSld>
     <p:spTree>
@@ -4800,7 +5138,7 @@
 </p:sld>
 </file>
 
-<file path=ppt/slides/slide14.xml><?xml version="1.0" encoding="utf-8"?>
+<file path=ppt/slides/slide16.xml><?xml version="1.0" encoding="utf-8"?>
 <p:sld xmlns:a="http://schemas.openxmlformats.org/drawingml/2006/main" xmlns:r="http://schemas.openxmlformats.org/officeDocument/2006/relationships" xmlns:p="http://schemas.openxmlformats.org/presentationml/2006/main">
   <p:cSld>
     <p:spTree>
@@ -5092,7 +5430,15 @@
             <a:pPr algn="just"/>
             <a:r>
               <a:rPr lang="en-US" dirty="0"/>
-              <a:t>All the data sources were combined and the unnecessary features were removed. </a:t>
+              <a:t>All the data sources were combined and the </a:t>
+            </a:r>
+            <a:r>
+              <a:rPr lang="en-US" dirty="0" err="1"/>
+              <a:t>redundent</a:t>
+            </a:r>
+            <a:r>
+              <a:rPr lang="en-US" dirty="0"/>
+              <a:t> features were removed. </a:t>
             </a:r>
           </a:p>
         </p:txBody>
@@ -5250,7 +5596,7 @@
           <p:cNvPr id="2" name="Picture 1">
             <a:extLst>
               <a:ext uri="{FF2B5EF4-FFF2-40B4-BE49-F238E27FC236}">
-                <a16:creationId xmlns:a16="http://schemas.microsoft.com/office/drawing/2014/main" id="{F07A36D9-4856-4352-AFEA-E7F4B5B33984}"/>
+                <a16:creationId xmlns:a16="http://schemas.microsoft.com/office/drawing/2014/main" id="{10B753D8-78CB-442F-881E-3B424DE8E32C}"/>
               </a:ext>
             </a:extLst>
           </p:cNvPr>
@@ -5260,15 +5606,15 @@
           <p:nvPr/>
         </p:nvPicPr>
         <p:blipFill>
-          <a:blip r:embed="rId3"/>
+          <a:blip r:embed="rId2"/>
           <a:stretch>
             <a:fillRect/>
           </a:stretch>
         </p:blipFill>
         <p:spPr>
           <a:xfrm>
-            <a:off x="548640" y="1292781"/>
-            <a:ext cx="11238121" cy="4514850"/>
+            <a:off x="827210" y="1252023"/>
+            <a:ext cx="6248840" cy="4965895"/>
           </a:xfrm>
           <a:prstGeom prst="rect">
             <a:avLst/>
@@ -5280,7 +5626,7 @@
           <p:cNvPr id="3" name="TextBox 2">
             <a:extLst>
               <a:ext uri="{FF2B5EF4-FFF2-40B4-BE49-F238E27FC236}">
-                <a16:creationId xmlns:a16="http://schemas.microsoft.com/office/drawing/2014/main" id="{45A7C06C-21FA-4B32-8746-8B58993FE3DF}"/>
+                <a16:creationId xmlns:a16="http://schemas.microsoft.com/office/drawing/2014/main" id="{227D541E-6C90-43E2-916E-EA3B03465F08}"/>
               </a:ext>
             </a:extLst>
           </p:cNvPr>
@@ -5289,8 +5635,8 @@
         </p:nvSpPr>
         <p:spPr>
           <a:xfrm>
-            <a:off x="939800" y="6108700"/>
-            <a:ext cx="10223500" cy="369332"/>
+            <a:off x="7849773" y="2090172"/>
+            <a:ext cx="3685735" cy="2677656"/>
           </a:xfrm>
           <a:prstGeom prst="rect">
             <a:avLst/>
@@ -5303,9 +5649,30 @@
           </a:bodyPr>
           <a:lstStyle/>
           <a:p>
-            <a:r>
-              <a:rPr lang="en-US" dirty="0"/>
-              <a:t>The Revenue distribution consistently increased with a peak in November 2017</a:t>
+            <a:pPr marL="285750" indent="-285750">
+              <a:buFont typeface="Arial" panose="020B0604020202020204" pitchFamily="34" charset="0"/>
+              <a:buChar char="•"/>
+            </a:pPr>
+            <a:r>
+              <a:rPr lang="en-US" sz="2400" dirty="0"/>
+              <a:t>There weren’t any null values in most of the columns except product category</a:t>
+            </a:r>
+          </a:p>
+          <a:p>
+            <a:pPr marL="285750" indent="-285750">
+              <a:buFont typeface="Arial" panose="020B0604020202020204" pitchFamily="34" charset="0"/>
+              <a:buChar char="•"/>
+            </a:pPr>
+            <a:endParaRPr lang="en-US" sz="2400" dirty="0"/>
+          </a:p>
+          <a:p>
+            <a:pPr marL="285750" indent="-285750">
+              <a:buFont typeface="Arial" panose="020B0604020202020204" pitchFamily="34" charset="0"/>
+              <a:buChar char="•"/>
+            </a:pPr>
+            <a:r>
+              <a:rPr lang="en-US" sz="2400" dirty="0"/>
+              <a:t>Imputed missing product categories as Other</a:t>
             </a:r>
           </a:p>
         </p:txBody>
@@ -5315,7 +5682,7 @@
           <p:cNvPr id="4" name="TextBox 3">
             <a:extLst>
               <a:ext uri="{FF2B5EF4-FFF2-40B4-BE49-F238E27FC236}">
-                <a16:creationId xmlns:a16="http://schemas.microsoft.com/office/drawing/2014/main" id="{4965C9C3-D56D-4A89-94E9-4285712DCE07}"/>
+                <a16:creationId xmlns:a16="http://schemas.microsoft.com/office/drawing/2014/main" id="{799A5772-B0BF-460C-B7B0-052D9A484539}"/>
               </a:ext>
             </a:extLst>
           </p:cNvPr>
@@ -5324,8 +5691,8 @@
         </p:nvSpPr>
         <p:spPr>
           <a:xfrm>
-            <a:off x="548640" y="374073"/>
-            <a:ext cx="10614660" cy="769441"/>
+            <a:off x="492369" y="182880"/>
+            <a:ext cx="8539089" cy="769441"/>
           </a:xfrm>
           <a:prstGeom prst="rect">
             <a:avLst/>
@@ -5342,7 +5709,7 @@
               <a:rPr lang="en-US" sz="4400" dirty="0">
                 <a:latin typeface="+mj-lt"/>
               </a:rPr>
-              <a:t>Revenue Distribution </a:t>
+              <a:t>Null Values</a:t>
             </a:r>
           </a:p>
         </p:txBody>
@@ -5350,7 +5717,7 @@
     </p:spTree>
     <p:extLst>
       <p:ext uri="{BB962C8B-B14F-4D97-AF65-F5344CB8AC3E}">
-        <p14:creationId xmlns:p14="http://schemas.microsoft.com/office/powerpoint/2010/main" val="1728012365"/>
+        <p14:creationId xmlns:p14="http://schemas.microsoft.com/office/powerpoint/2010/main" val="380175524"/>
       </p:ext>
     </p:extLst>
   </p:cSld>
@@ -5377,50 +5744,12 @@
           <a:chExt cx="0" cy="0"/>
         </a:xfrm>
       </p:grpSpPr>
-      <p:sp>
-        <p:nvSpPr>
-          <p:cNvPr id="11" name="Content Placeholder 10">
-            <a:extLst>
-              <a:ext uri="{FF2B5EF4-FFF2-40B4-BE49-F238E27FC236}">
-                <a16:creationId xmlns:a16="http://schemas.microsoft.com/office/drawing/2014/main" id="{352DE615-1DB1-4321-9407-4D3CF4C39732}"/>
-              </a:ext>
-            </a:extLst>
-          </p:cNvPr>
-          <p:cNvSpPr>
-            <a:spLocks noGrp="1"/>
-          </p:cNvSpPr>
-          <p:nvPr>
-            <p:ph idx="1"/>
-          </p:nvPr>
-        </p:nvSpPr>
-        <p:spPr>
-          <a:xfrm>
-            <a:off x="800100" y="5410200"/>
-            <a:ext cx="10553700" cy="1068514"/>
-          </a:xfrm>
-        </p:spPr>
-        <p:txBody>
-          <a:bodyPr>
-            <a:normAutofit/>
-          </a:bodyPr>
-          <a:lstStyle/>
-          <a:p>
-            <a:pPr marL="0" indent="0">
-              <a:buNone/>
-            </a:pPr>
-            <a:r>
-              <a:rPr lang="en-US" sz="2000" dirty="0"/>
-              <a:t>Similar to Revenue the number of unique customers also increased consistently. </a:t>
-            </a:r>
-          </a:p>
-        </p:txBody>
-      </p:sp>
       <p:pic>
         <p:nvPicPr>
-          <p:cNvPr id="4" name="Picture 3">
-            <a:extLst>
-              <a:ext uri="{FF2B5EF4-FFF2-40B4-BE49-F238E27FC236}">
-                <a16:creationId xmlns:a16="http://schemas.microsoft.com/office/drawing/2014/main" id="{ED698FCE-C18D-4765-8DC8-9427A78FC049}"/>
+          <p:cNvPr id="2" name="Picture 1">
+            <a:extLst>
+              <a:ext uri="{FF2B5EF4-FFF2-40B4-BE49-F238E27FC236}">
+                <a16:creationId xmlns:a16="http://schemas.microsoft.com/office/drawing/2014/main" id="{C71A7264-EC66-4AF8-AD79-6550F7905AFF}"/>
               </a:ext>
             </a:extLst>
           </p:cNvPr>
@@ -5437,20 +5766,50 @@
         </p:blipFill>
         <p:spPr>
           <a:xfrm>
-            <a:off x="547687" y="1427018"/>
-            <a:ext cx="10806113" cy="3843482"/>
+            <a:off x="720465" y="2014780"/>
+            <a:ext cx="5375535" cy="2993318"/>
           </a:xfrm>
           <a:prstGeom prst="rect">
             <a:avLst/>
           </a:prstGeom>
         </p:spPr>
       </p:pic>
-      <p:sp>
-        <p:nvSpPr>
-          <p:cNvPr id="5" name="TextBox 4">
-            <a:extLst>
-              <a:ext uri="{FF2B5EF4-FFF2-40B4-BE49-F238E27FC236}">
-                <a16:creationId xmlns:a16="http://schemas.microsoft.com/office/drawing/2014/main" id="{C5A1AD34-B7A2-4456-942F-954F78266265}"/>
+      <p:pic>
+        <p:nvPicPr>
+          <p:cNvPr id="3" name="Picture 2">
+            <a:extLst>
+              <a:ext uri="{FF2B5EF4-FFF2-40B4-BE49-F238E27FC236}">
+                <a16:creationId xmlns:a16="http://schemas.microsoft.com/office/drawing/2014/main" id="{9349164A-4057-49F7-8918-BA007CDD3A17}"/>
+              </a:ext>
+            </a:extLst>
+          </p:cNvPr>
+          <p:cNvPicPr>
+            <a:picLocks noChangeAspect="1"/>
+          </p:cNvPicPr>
+          <p:nvPr/>
+        </p:nvPicPr>
+        <p:blipFill>
+          <a:blip r:embed="rId3"/>
+          <a:stretch>
+            <a:fillRect/>
+          </a:stretch>
+        </p:blipFill>
+        <p:spPr>
+          <a:xfrm>
+            <a:off x="6697671" y="1853372"/>
+            <a:ext cx="4773863" cy="3154726"/>
+          </a:xfrm>
+          <a:prstGeom prst="rect">
+            <a:avLst/>
+          </a:prstGeom>
+        </p:spPr>
+      </p:pic>
+      <p:sp>
+        <p:nvSpPr>
+          <p:cNvPr id="4" name="TextBox 3">
+            <a:extLst>
+              <a:ext uri="{FF2B5EF4-FFF2-40B4-BE49-F238E27FC236}">
+                <a16:creationId xmlns:a16="http://schemas.microsoft.com/office/drawing/2014/main" id="{052E3F6F-661A-48D3-80D9-ADC13B355595}"/>
               </a:ext>
             </a:extLst>
           </p:cNvPr>
@@ -5459,8 +5818,8 @@
         </p:nvSpPr>
         <p:spPr>
           <a:xfrm>
-            <a:off x="512618" y="379286"/>
-            <a:ext cx="9282546" cy="769441"/>
+            <a:off x="720466" y="5249708"/>
+            <a:ext cx="10751068" cy="1200329"/>
           </a:xfrm>
           <a:prstGeom prst="rect">
             <a:avLst/>
@@ -5473,11 +5832,71 @@
           </a:bodyPr>
           <a:lstStyle/>
           <a:p>
+            <a:pPr marL="285750" indent="-285750">
+              <a:buFont typeface="Arial" panose="020B0604020202020204" pitchFamily="34" charset="0"/>
+              <a:buChar char="•"/>
+            </a:pPr>
+            <a:r>
+              <a:rPr lang="en-US" dirty="0"/>
+              <a:t>Clearly there are outliers in the revenue based on the above results and boxplot. There are many values beyond the 4rth Quartile. </a:t>
+            </a:r>
+          </a:p>
+          <a:p>
+            <a:endParaRPr lang="en-US" dirty="0"/>
+          </a:p>
+          <a:p>
+            <a:pPr marL="285750" indent="-285750">
+              <a:buFont typeface="Arial" panose="020B0604020202020204" pitchFamily="34" charset="0"/>
+              <a:buChar char="•"/>
+            </a:pPr>
+            <a:r>
+              <a:rPr lang="en-US" dirty="0"/>
+              <a:t>Removed all the outliers that are not within 1.5*times </a:t>
+            </a:r>
+            <a:r>
+              <a:rPr lang="en-US" dirty="0" err="1"/>
+              <a:t>InterQuartile</a:t>
+            </a:r>
+            <a:r>
+              <a:rPr lang="en-US" dirty="0"/>
+              <a:t> Range (16674 rows). </a:t>
+            </a:r>
+          </a:p>
+        </p:txBody>
+      </p:sp>
+      <p:sp>
+        <p:nvSpPr>
+          <p:cNvPr id="5" name="TextBox 4">
+            <a:extLst>
+              <a:ext uri="{FF2B5EF4-FFF2-40B4-BE49-F238E27FC236}">
+                <a16:creationId xmlns:a16="http://schemas.microsoft.com/office/drawing/2014/main" id="{5D16D57E-2163-4B7E-99E9-BFB48DEA80B3}"/>
+              </a:ext>
+            </a:extLst>
+          </p:cNvPr>
+          <p:cNvSpPr txBox="1"/>
+          <p:nvPr/>
+        </p:nvSpPr>
+        <p:spPr>
+          <a:xfrm>
+            <a:off x="720465" y="407963"/>
+            <a:ext cx="7776421" cy="769441"/>
+          </a:xfrm>
+          <a:prstGeom prst="rect">
+            <a:avLst/>
+          </a:prstGeom>
+          <a:noFill/>
+        </p:spPr>
+        <p:txBody>
+          <a:bodyPr wrap="square" rtlCol="0">
+            <a:spAutoFit/>
+          </a:bodyPr>
+          <a:lstStyle/>
+          <a:p>
             <a:r>
               <a:rPr lang="en-US" sz="4400" dirty="0">
                 <a:latin typeface="+mj-lt"/>
               </a:rPr>
-              <a:t>Customer Distribution </a:t>
+              <a:t>Outliers</a:t>
             </a:r>
           </a:p>
         </p:txBody>
@@ -5485,7 +5904,7 @@
     </p:spTree>
     <p:extLst>
       <p:ext uri="{BB962C8B-B14F-4D97-AF65-F5344CB8AC3E}">
-        <p14:creationId xmlns:p14="http://schemas.microsoft.com/office/powerpoint/2010/main" val="2146753768"/>
+        <p14:creationId xmlns:p14="http://schemas.microsoft.com/office/powerpoint/2010/main" val="1667665952"/>
       </p:ext>
     </p:extLst>
   </p:cSld>
@@ -5512,58 +5931,12 @@
           <a:chExt cx="0" cy="0"/>
         </a:xfrm>
       </p:grpSpPr>
-      <p:sp>
-        <p:nvSpPr>
-          <p:cNvPr id="11" name="Content Placeholder 10">
-            <a:extLst>
-              <a:ext uri="{FF2B5EF4-FFF2-40B4-BE49-F238E27FC236}">
-                <a16:creationId xmlns:a16="http://schemas.microsoft.com/office/drawing/2014/main" id="{352DE615-1DB1-4321-9407-4D3CF4C39732}"/>
-              </a:ext>
-            </a:extLst>
-          </p:cNvPr>
-          <p:cNvSpPr>
-            <a:spLocks noGrp="1"/>
-          </p:cNvSpPr>
-          <p:nvPr>
-            <p:ph idx="1"/>
-          </p:nvPr>
-        </p:nvSpPr>
-        <p:spPr>
-          <a:xfrm>
-            <a:off x="800100" y="5611090"/>
-            <a:ext cx="10553700" cy="867623"/>
-          </a:xfrm>
-        </p:spPr>
-        <p:txBody>
-          <a:bodyPr>
-            <a:normAutofit/>
-          </a:bodyPr>
-          <a:lstStyle/>
-          <a:p>
-            <a:pPr marL="0" indent="0">
-              <a:buNone/>
-            </a:pPr>
-            <a:r>
-              <a:rPr lang="en-US" sz="1800" dirty="0"/>
-              <a:t>Existing customers Revenue contribution is negligible </a:t>
-            </a:r>
-            <a:r>
-              <a:rPr lang="en-US" sz="1800" dirty="0" err="1"/>
-              <a:t>i.e</a:t>
-            </a:r>
-            <a:r>
-              <a:rPr lang="en-US" sz="1800" dirty="0"/>
-              <a:t> organization wasn’t able to retain existing customers. </a:t>
-            </a:r>
-          </a:p>
-        </p:txBody>
-      </p:sp>
       <p:pic>
         <p:nvPicPr>
           <p:cNvPr id="2" name="Picture 1">
             <a:extLst>
               <a:ext uri="{FF2B5EF4-FFF2-40B4-BE49-F238E27FC236}">
-                <a16:creationId xmlns:a16="http://schemas.microsoft.com/office/drawing/2014/main" id="{43C8B40E-0FD2-4F11-8D4F-9612ABC02E8F}"/>
+                <a16:creationId xmlns:a16="http://schemas.microsoft.com/office/drawing/2014/main" id="{F07A36D9-4856-4352-AFEA-E7F4B5B33984}"/>
               </a:ext>
             </a:extLst>
           </p:cNvPr>
@@ -5573,15 +5946,15 @@
           <p:nvPr/>
         </p:nvPicPr>
         <p:blipFill>
-          <a:blip r:embed="rId2"/>
+          <a:blip r:embed="rId3"/>
           <a:stretch>
             <a:fillRect/>
           </a:stretch>
         </p:blipFill>
         <p:spPr>
           <a:xfrm>
-            <a:off x="895350" y="1246909"/>
-            <a:ext cx="10090150" cy="4034703"/>
+            <a:off x="548640" y="1292781"/>
+            <a:ext cx="11238121" cy="4514850"/>
           </a:xfrm>
           <a:prstGeom prst="rect">
             <a:avLst/>
@@ -5593,7 +5966,7 @@
           <p:cNvPr id="3" name="TextBox 2">
             <a:extLst>
               <a:ext uri="{FF2B5EF4-FFF2-40B4-BE49-F238E27FC236}">
-                <a16:creationId xmlns:a16="http://schemas.microsoft.com/office/drawing/2014/main" id="{DC1B3C11-9B05-4C58-903A-6F7466E5EEBE}"/>
+                <a16:creationId xmlns:a16="http://schemas.microsoft.com/office/drawing/2014/main" id="{45A7C06C-21FA-4B32-8746-8B58993FE3DF}"/>
               </a:ext>
             </a:extLst>
           </p:cNvPr>
@@ -5602,8 +5975,8 @@
         </p:nvSpPr>
         <p:spPr>
           <a:xfrm>
-            <a:off x="692727" y="235527"/>
-            <a:ext cx="9712037" cy="769441"/>
+            <a:off x="939800" y="6108700"/>
+            <a:ext cx="10223500" cy="369332"/>
           </a:xfrm>
           <a:prstGeom prst="rect">
             <a:avLst/>
@@ -5617,10 +5990,45 @@
           <a:lstStyle/>
           <a:p>
             <a:r>
+              <a:rPr lang="en-US" dirty="0"/>
+              <a:t>The Revenue distribution consistently increased with a peak in November 2017</a:t>
+            </a:r>
+          </a:p>
+        </p:txBody>
+      </p:sp>
+      <p:sp>
+        <p:nvSpPr>
+          <p:cNvPr id="4" name="TextBox 3">
+            <a:extLst>
+              <a:ext uri="{FF2B5EF4-FFF2-40B4-BE49-F238E27FC236}">
+                <a16:creationId xmlns:a16="http://schemas.microsoft.com/office/drawing/2014/main" id="{4965C9C3-D56D-4A89-94E9-4285712DCE07}"/>
+              </a:ext>
+            </a:extLst>
+          </p:cNvPr>
+          <p:cNvSpPr txBox="1"/>
+          <p:nvPr/>
+        </p:nvSpPr>
+        <p:spPr>
+          <a:xfrm>
+            <a:off x="548640" y="374073"/>
+            <a:ext cx="10614660" cy="769441"/>
+          </a:xfrm>
+          <a:prstGeom prst="rect">
+            <a:avLst/>
+          </a:prstGeom>
+          <a:noFill/>
+        </p:spPr>
+        <p:txBody>
+          <a:bodyPr wrap="square" rtlCol="0">
+            <a:spAutoFit/>
+          </a:bodyPr>
+          <a:lstStyle/>
+          <a:p>
+            <a:r>
               <a:rPr lang="en-US" sz="4400" dirty="0">
                 <a:latin typeface="+mj-lt"/>
               </a:rPr>
-              <a:t>New Vs Existing Customers</a:t>
+              <a:t>Revenue Distribution </a:t>
             </a:r>
           </a:p>
         </p:txBody>
@@ -5628,7 +6036,7 @@
     </p:spTree>
     <p:extLst>
       <p:ext uri="{BB962C8B-B14F-4D97-AF65-F5344CB8AC3E}">
-        <p14:creationId xmlns:p14="http://schemas.microsoft.com/office/powerpoint/2010/main" val="3169058071"/>
+        <p14:creationId xmlns:p14="http://schemas.microsoft.com/office/powerpoint/2010/main" val="1728012365"/>
       </p:ext>
     </p:extLst>
   </p:cSld>
@@ -5673,8 +6081,8 @@
         </p:nvSpPr>
         <p:spPr>
           <a:xfrm>
-            <a:off x="800100" y="5881688"/>
-            <a:ext cx="10553700" cy="597026"/>
+            <a:off x="800100" y="5410200"/>
+            <a:ext cx="10553700" cy="1068514"/>
           </a:xfrm>
         </p:spPr>
         <p:txBody>
@@ -5687,18 +6095,18 @@
               <a:buNone/>
             </a:pPr>
             <a:r>
-              <a:rPr lang="en-US" sz="1800" dirty="0"/>
-              <a:t>Average order is consistent across all months (except December 2016) </a:t>
+              <a:rPr lang="en-US" sz="2000" dirty="0"/>
+              <a:t>Similar to Revenue the number of unique customers also increased consistently. </a:t>
             </a:r>
           </a:p>
         </p:txBody>
       </p:sp>
       <p:pic>
         <p:nvPicPr>
-          <p:cNvPr id="3" name="Picture 2">
-            <a:extLst>
-              <a:ext uri="{FF2B5EF4-FFF2-40B4-BE49-F238E27FC236}">
-                <a16:creationId xmlns:a16="http://schemas.microsoft.com/office/drawing/2014/main" id="{DBBD6852-3035-4078-9FFF-79B39351AAA0}"/>
+          <p:cNvPr id="4" name="Picture 3">
+            <a:extLst>
+              <a:ext uri="{FF2B5EF4-FFF2-40B4-BE49-F238E27FC236}">
+                <a16:creationId xmlns:a16="http://schemas.microsoft.com/office/drawing/2014/main" id="{ED698FCE-C18D-4765-8DC8-9427A78FC049}"/>
               </a:ext>
             </a:extLst>
           </p:cNvPr>
@@ -5715,8 +6123,8 @@
         </p:blipFill>
         <p:spPr>
           <a:xfrm>
-            <a:off x="685800" y="1212056"/>
-            <a:ext cx="10668000" cy="4433888"/>
+            <a:off x="547687" y="1427018"/>
+            <a:ext cx="10806113" cy="3843482"/>
           </a:xfrm>
           <a:prstGeom prst="rect">
             <a:avLst/>
@@ -5725,10 +6133,10 @@
       </p:pic>
       <p:sp>
         <p:nvSpPr>
-          <p:cNvPr id="4" name="TextBox 3">
-            <a:extLst>
-              <a:ext uri="{FF2B5EF4-FFF2-40B4-BE49-F238E27FC236}">
-                <a16:creationId xmlns:a16="http://schemas.microsoft.com/office/drawing/2014/main" id="{C3EC076E-6B6F-4A48-872D-96296B97A2B9}"/>
+          <p:cNvPr id="5" name="TextBox 4">
+            <a:extLst>
+              <a:ext uri="{FF2B5EF4-FFF2-40B4-BE49-F238E27FC236}">
+                <a16:creationId xmlns:a16="http://schemas.microsoft.com/office/drawing/2014/main" id="{C5A1AD34-B7A2-4456-942F-954F78266265}"/>
               </a:ext>
             </a:extLst>
           </p:cNvPr>
@@ -5737,8 +6145,8 @@
         </p:nvSpPr>
         <p:spPr>
           <a:xfrm>
-            <a:off x="800100" y="235527"/>
-            <a:ext cx="7997536" cy="769441"/>
+            <a:off x="512618" y="379286"/>
+            <a:ext cx="9282546" cy="769441"/>
           </a:xfrm>
           <a:prstGeom prst="rect">
             <a:avLst/>
@@ -5755,7 +6163,7 @@
               <a:rPr lang="en-US" sz="4400" dirty="0">
                 <a:latin typeface="+mj-lt"/>
               </a:rPr>
-              <a:t>Average Order Size </a:t>
+              <a:t>Customer Distribution </a:t>
             </a:r>
           </a:p>
         </p:txBody>
@@ -5763,7 +6171,7 @@
     </p:spTree>
     <p:extLst>
       <p:ext uri="{BB962C8B-B14F-4D97-AF65-F5344CB8AC3E}">
-        <p14:creationId xmlns:p14="http://schemas.microsoft.com/office/powerpoint/2010/main" val="1197478798"/>
+        <p14:creationId xmlns:p14="http://schemas.microsoft.com/office/powerpoint/2010/main" val="2146753768"/>
       </p:ext>
     </p:extLst>
   </p:cSld>
@@ -5808,8 +6216,8 @@
         </p:nvSpPr>
         <p:spPr>
           <a:xfrm>
-            <a:off x="800100" y="5410200"/>
-            <a:ext cx="10553700" cy="1068514"/>
+            <a:off x="800100" y="5611090"/>
+            <a:ext cx="10553700" cy="867623"/>
           </a:xfrm>
         </p:spPr>
         <p:txBody>
@@ -5823,16 +6231,15 @@
             </a:pPr>
             <a:r>
               <a:rPr lang="en-US" sz="1800" dirty="0"/>
-              <a:t>Created a new feature Recency.</a:t>
-            </a:r>
-          </a:p>
-          <a:p>
-            <a:pPr marL="0" indent="0">
-              <a:buNone/>
-            </a:pPr>
+              <a:t>Existing customers Revenue contribution is negligible </a:t>
+            </a:r>
+            <a:r>
+              <a:rPr lang="en-US" sz="1800" dirty="0" err="1"/>
+              <a:t>i.e</a:t>
+            </a:r>
             <a:r>
               <a:rPr lang="en-US" sz="1800" dirty="0"/>
-              <a:t>More than 70% of customers were acquired within last year. </a:t>
+              <a:t> organization wasn’t able to retain existing customers. </a:t>
             </a:r>
           </a:p>
         </p:txBody>
@@ -5842,7 +6249,7 @@
           <p:cNvPr id="2" name="Picture 1">
             <a:extLst>
               <a:ext uri="{FF2B5EF4-FFF2-40B4-BE49-F238E27FC236}">
-                <a16:creationId xmlns:a16="http://schemas.microsoft.com/office/drawing/2014/main" id="{F8BE6700-E30B-4B18-BF54-14860F3745F1}"/>
+                <a16:creationId xmlns:a16="http://schemas.microsoft.com/office/drawing/2014/main" id="{43C8B40E-0FD2-4F11-8D4F-9612ABC02E8F}"/>
               </a:ext>
             </a:extLst>
           </p:cNvPr>
@@ -5859,8 +6266,8 @@
         </p:blipFill>
         <p:spPr>
           <a:xfrm>
-            <a:off x="800099" y="1234682"/>
-            <a:ext cx="10058400" cy="3973513"/>
+            <a:off x="895350" y="1246909"/>
+            <a:ext cx="10090150" cy="4034703"/>
           </a:xfrm>
           <a:prstGeom prst="rect">
             <a:avLst/>
@@ -5869,10 +6276,10 @@
       </p:pic>
       <p:sp>
         <p:nvSpPr>
-          <p:cNvPr id="4" name="TextBox 3">
-            <a:extLst>
-              <a:ext uri="{FF2B5EF4-FFF2-40B4-BE49-F238E27FC236}">
-                <a16:creationId xmlns:a16="http://schemas.microsoft.com/office/drawing/2014/main" id="{5836C2EE-BFC1-4A8E-A667-B015B3E03BFD}"/>
+          <p:cNvPr id="3" name="TextBox 2">
+            <a:extLst>
+              <a:ext uri="{FF2B5EF4-FFF2-40B4-BE49-F238E27FC236}">
+                <a16:creationId xmlns:a16="http://schemas.microsoft.com/office/drawing/2014/main" id="{DC1B3C11-9B05-4C58-903A-6F7466E5EEBE}"/>
               </a:ext>
             </a:extLst>
           </p:cNvPr>
@@ -5881,8 +6288,8 @@
         </p:nvSpPr>
         <p:spPr>
           <a:xfrm>
-            <a:off x="800099" y="263236"/>
-            <a:ext cx="8510155" cy="769441"/>
+            <a:off x="692727" y="235527"/>
+            <a:ext cx="9712037" cy="769441"/>
           </a:xfrm>
           <a:prstGeom prst="rect">
             <a:avLst/>
@@ -5899,7 +6306,7 @@
               <a:rPr lang="en-US" sz="4400" dirty="0">
                 <a:latin typeface="+mj-lt"/>
               </a:rPr>
-              <a:t>Recency Distribution </a:t>
+              <a:t>New Vs Existing Customers</a:t>
             </a:r>
           </a:p>
         </p:txBody>
@@ -5907,7 +6314,7 @@
     </p:spTree>
     <p:extLst>
       <p:ext uri="{BB962C8B-B14F-4D97-AF65-F5344CB8AC3E}">
-        <p14:creationId xmlns:p14="http://schemas.microsoft.com/office/powerpoint/2010/main" val="607970367"/>
+        <p14:creationId xmlns:p14="http://schemas.microsoft.com/office/powerpoint/2010/main" val="3169058071"/>
       </p:ext>
     </p:extLst>
   </p:cSld>
@@ -5934,12 +6341,50 @@
           <a:chExt cx="0" cy="0"/>
         </a:xfrm>
       </p:grpSpPr>
+      <p:sp>
+        <p:nvSpPr>
+          <p:cNvPr id="11" name="Content Placeholder 10">
+            <a:extLst>
+              <a:ext uri="{FF2B5EF4-FFF2-40B4-BE49-F238E27FC236}">
+                <a16:creationId xmlns:a16="http://schemas.microsoft.com/office/drawing/2014/main" id="{352DE615-1DB1-4321-9407-4D3CF4C39732}"/>
+              </a:ext>
+            </a:extLst>
+          </p:cNvPr>
+          <p:cNvSpPr>
+            <a:spLocks noGrp="1"/>
+          </p:cNvSpPr>
+          <p:nvPr>
+            <p:ph idx="1"/>
+          </p:nvPr>
+        </p:nvSpPr>
+        <p:spPr>
+          <a:xfrm>
+            <a:off x="800100" y="5881688"/>
+            <a:ext cx="10553700" cy="597026"/>
+          </a:xfrm>
+        </p:spPr>
+        <p:txBody>
+          <a:bodyPr>
+            <a:normAutofit/>
+          </a:bodyPr>
+          <a:lstStyle/>
+          <a:p>
+            <a:pPr marL="0" indent="0">
+              <a:buNone/>
+            </a:pPr>
+            <a:r>
+              <a:rPr lang="en-US" sz="1800" dirty="0"/>
+              <a:t>Average order is consistent across all months (except December 2016) </a:t>
+            </a:r>
+          </a:p>
+        </p:txBody>
+      </p:sp>
       <p:pic>
         <p:nvPicPr>
-          <p:cNvPr id="2" name="Picture 1">
-            <a:extLst>
-              <a:ext uri="{FF2B5EF4-FFF2-40B4-BE49-F238E27FC236}">
-                <a16:creationId xmlns:a16="http://schemas.microsoft.com/office/drawing/2014/main" id="{A8F0CEF1-3771-46FE-BEBD-C4D7FDE9CE2C}"/>
+          <p:cNvPr id="3" name="Picture 2">
+            <a:extLst>
+              <a:ext uri="{FF2B5EF4-FFF2-40B4-BE49-F238E27FC236}">
+                <a16:creationId xmlns:a16="http://schemas.microsoft.com/office/drawing/2014/main" id="{DBBD6852-3035-4078-9FFF-79B39351AAA0}"/>
               </a:ext>
             </a:extLst>
           </p:cNvPr>
@@ -5956,8 +6401,8 @@
         </p:blipFill>
         <p:spPr>
           <a:xfrm>
-            <a:off x="596900" y="1237901"/>
-            <a:ext cx="4511676" cy="4382198"/>
+            <a:off x="685800" y="1212056"/>
+            <a:ext cx="10668000" cy="4433888"/>
           </a:xfrm>
           <a:prstGeom prst="rect">
             <a:avLst/>
@@ -5966,10 +6411,10 @@
       </p:pic>
       <p:sp>
         <p:nvSpPr>
-          <p:cNvPr id="3" name="TextBox 2">
-            <a:extLst>
-              <a:ext uri="{FF2B5EF4-FFF2-40B4-BE49-F238E27FC236}">
-                <a16:creationId xmlns:a16="http://schemas.microsoft.com/office/drawing/2014/main" id="{14299334-7159-45AF-8EBB-F1FEE34B9B1F}"/>
+          <p:cNvPr id="4" name="TextBox 3">
+            <a:extLst>
+              <a:ext uri="{FF2B5EF4-FFF2-40B4-BE49-F238E27FC236}">
+                <a16:creationId xmlns:a16="http://schemas.microsoft.com/office/drawing/2014/main" id="{C3EC076E-6B6F-4A48-872D-96296B97A2B9}"/>
               </a:ext>
             </a:extLst>
           </p:cNvPr>
@@ -5978,8 +6423,8 @@
         </p:nvSpPr>
         <p:spPr>
           <a:xfrm>
-            <a:off x="6096000" y="2628900"/>
-            <a:ext cx="3835400" cy="1200329"/>
+            <a:off x="800100" y="235527"/>
+            <a:ext cx="7997536" cy="769441"/>
           </a:xfrm>
           <a:prstGeom prst="rect">
             <a:avLst/>
@@ -5993,45 +6438,10 @@
           <a:lstStyle/>
           <a:p>
             <a:r>
-              <a:rPr lang="en-US" dirty="0"/>
-              <a:t>Created a base Decision Tree model and as the number of trees increased, the average prediction error decreased. </a:t>
-            </a:r>
-          </a:p>
-        </p:txBody>
-      </p:sp>
-      <p:sp>
-        <p:nvSpPr>
-          <p:cNvPr id="4" name="TextBox 3">
-            <a:extLst>
-              <a:ext uri="{FF2B5EF4-FFF2-40B4-BE49-F238E27FC236}">
-                <a16:creationId xmlns:a16="http://schemas.microsoft.com/office/drawing/2014/main" id="{44EBD1FB-5B01-4D92-83F4-725BAF120523}"/>
-              </a:ext>
-            </a:extLst>
-          </p:cNvPr>
-          <p:cNvSpPr txBox="1"/>
-          <p:nvPr/>
-        </p:nvSpPr>
-        <p:spPr>
-          <a:xfrm>
-            <a:off x="332509" y="263236"/>
-            <a:ext cx="8811491" cy="769441"/>
-          </a:xfrm>
-          <a:prstGeom prst="rect">
-            <a:avLst/>
-          </a:prstGeom>
-          <a:noFill/>
-        </p:spPr>
-        <p:txBody>
-          <a:bodyPr wrap="square" rtlCol="0">
-            <a:spAutoFit/>
-          </a:bodyPr>
-          <a:lstStyle/>
-          <a:p>
-            <a:r>
               <a:rPr lang="en-US" sz="4400" dirty="0">
                 <a:latin typeface="+mj-lt"/>
               </a:rPr>
-              <a:t>Decision Tree Errors</a:t>
+              <a:t>Average Order Size </a:t>
             </a:r>
           </a:p>
         </p:txBody>
@@ -6039,7 +6449,7 @@
     </p:spTree>
     <p:extLst>
       <p:ext uri="{BB962C8B-B14F-4D97-AF65-F5344CB8AC3E}">
-        <p14:creationId xmlns:p14="http://schemas.microsoft.com/office/powerpoint/2010/main" val="3607628493"/>
+        <p14:creationId xmlns:p14="http://schemas.microsoft.com/office/powerpoint/2010/main" val="1197478798"/>
       </p:ext>
     </p:extLst>
   </p:cSld>

--- a/Customer_Lifetimevalue_Prediction.pptx
+++ b/Customer_Lifetimevalue_Prediction.pptx
@@ -5,10 +5,10 @@
     <p:sldMasterId id="2147483648" r:id="rId1"/>
   </p:sldMasterIdLst>
   <p:notesMasterIdLst>
-    <p:notesMasterId r:id="rId18"/>
+    <p:notesMasterId r:id="rId20"/>
   </p:notesMasterIdLst>
   <p:handoutMasterIdLst>
-    <p:handoutMasterId r:id="rId19"/>
+    <p:handoutMasterId r:id="rId21"/>
   </p:handoutMasterIdLst>
   <p:sldIdLst>
     <p:sldId id="256" r:id="rId2"/>
@@ -18,15 +18,17 @@
     <p:sldId id="281" r:id="rId6"/>
     <p:sldId id="270" r:id="rId7"/>
     <p:sldId id="259" r:id="rId8"/>
-    <p:sldId id="271" r:id="rId9"/>
-    <p:sldId id="272" r:id="rId10"/>
+    <p:sldId id="272" r:id="rId9"/>
+    <p:sldId id="271" r:id="rId10"/>
     <p:sldId id="273" r:id="rId11"/>
-    <p:sldId id="274" r:id="rId12"/>
-    <p:sldId id="275" r:id="rId13"/>
-    <p:sldId id="276" r:id="rId14"/>
+    <p:sldId id="282" r:id="rId12"/>
+    <p:sldId id="283" r:id="rId13"/>
+    <p:sldId id="284" r:id="rId14"/>
     <p:sldId id="277" r:id="rId15"/>
-    <p:sldId id="278" r:id="rId16"/>
-    <p:sldId id="279" r:id="rId17"/>
+    <p:sldId id="274" r:id="rId16"/>
+    <p:sldId id="278" r:id="rId17"/>
+    <p:sldId id="285" r:id="rId18"/>
+    <p:sldId id="279" r:id="rId19"/>
   </p:sldIdLst>
   <p:sldSz cx="12192000" cy="6858000"/>
   <p:notesSz cx="6858000" cy="9144000"/>
@@ -234,7 +236,7 @@
           <a:p>
             <a:fld id="{19CD64B2-2BF8-410D-9004-137CD24A8526}" type="datetimeFigureOut">
               <a:rPr lang="en-US" smtClean="0"/>
-              <a:t>4/27/2020</a:t>
+              <a:t>4/28/2020</a:t>
             </a:fld>
             <a:endParaRPr lang="en-US"/>
           </a:p>
@@ -415,7 +417,7 @@
           <a:p>
             <a:fld id="{90E7E0BE-5CD9-4534-A506-F8BBF8AE5117}" type="datetimeFigureOut">
               <a:rPr lang="en-US" smtClean="0"/>
-              <a:t>4/27/2020</a:t>
+              <a:t>4/28/2020</a:t>
             </a:fld>
             <a:endParaRPr lang="en-US"/>
           </a:p>
@@ -829,7 +831,7 @@
           <a:p>
             <a:r>
               <a:rPr lang="en-US" dirty="0"/>
-              <a:t>Important features for base decision tree model </a:t>
+              <a:t>No correlation </a:t>
             </a:r>
           </a:p>
         </p:txBody>
@@ -839,7 +841,7 @@
           <p:cNvPr id="5" name="Header Placeholder 4">
             <a:extLst>
               <a:ext uri="{FF2B5EF4-FFF2-40B4-BE49-F238E27FC236}">
-                <a16:creationId xmlns:a16="http://schemas.microsoft.com/office/drawing/2014/main" id="{C4AA4AEF-B17D-4542-98EC-089EA3F912D6}"/>
+                <a16:creationId xmlns:a16="http://schemas.microsoft.com/office/drawing/2014/main" id="{F58FF277-1E22-43CA-A3AC-421B70F38382}"/>
               </a:ext>
             </a:extLst>
           </p:cNvPr>
@@ -865,7 +867,7 @@
     </p:spTree>
     <p:extLst>
       <p:ext uri="{BB962C8B-B14F-4D97-AF65-F5344CB8AC3E}">
-        <p14:creationId xmlns:p14="http://schemas.microsoft.com/office/powerpoint/2010/main" val="1220341759"/>
+        <p14:creationId xmlns:p14="http://schemas.microsoft.com/office/powerpoint/2010/main" val="3791221427"/>
       </p:ext>
     </p:extLst>
   </p:cSld>
@@ -921,20 +923,14 @@
           <a:p>
             <a:r>
               <a:rPr lang="en-US" dirty="0"/>
-              <a:t>No correlation </a:t>
-            </a:r>
-          </a:p>
-        </p:txBody>
-      </p:sp>
-      <p:sp>
-        <p:nvSpPr>
-          <p:cNvPr id="5" name="Header Placeholder 4">
-            <a:extLst>
-              <a:ext uri="{FF2B5EF4-FFF2-40B4-BE49-F238E27FC236}">
-                <a16:creationId xmlns:a16="http://schemas.microsoft.com/office/drawing/2014/main" id="{F58FF277-1E22-43CA-A3AC-421B70F38382}"/>
-              </a:ext>
-            </a:extLst>
-          </p:cNvPr>
+              <a:t>Checking the order of feature importance</a:t>
+            </a:r>
+          </a:p>
+        </p:txBody>
+      </p:sp>
+      <p:sp>
+        <p:nvSpPr>
+          <p:cNvPr id="4" name="Header Placeholder 3"/>
           <p:cNvSpPr>
             <a:spLocks noGrp="1"/>
           </p:cNvSpPr>
@@ -957,7 +953,7 @@
     </p:spTree>
     <p:extLst>
       <p:ext uri="{BB962C8B-B14F-4D97-AF65-F5344CB8AC3E}">
-        <p14:creationId xmlns:p14="http://schemas.microsoft.com/office/powerpoint/2010/main" val="3791221427"/>
+        <p14:creationId xmlns:p14="http://schemas.microsoft.com/office/powerpoint/2010/main" val="4264006456"/>
       </p:ext>
     </p:extLst>
   </p:cSld>
@@ -1114,7 +1110,7 @@
           <a:p>
             <a:fld id="{056BA43D-4F59-4581-B073-FC1F9CDD6246}" type="datetimeFigureOut">
               <a:rPr lang="en-US" smtClean="0"/>
-              <a:t>4/27/2020</a:t>
+              <a:t>4/28/2020</a:t>
             </a:fld>
             <a:endParaRPr lang="en-US"/>
           </a:p>
@@ -1312,7 +1308,7 @@
           <a:p>
             <a:fld id="{056BA43D-4F59-4581-B073-FC1F9CDD6246}" type="datetimeFigureOut">
               <a:rPr lang="en-US" smtClean="0"/>
-              <a:t>4/27/2020</a:t>
+              <a:t>4/28/2020</a:t>
             </a:fld>
             <a:endParaRPr lang="en-US"/>
           </a:p>
@@ -1520,7 +1516,7 @@
           <a:p>
             <a:fld id="{056BA43D-4F59-4581-B073-FC1F9CDD6246}" type="datetimeFigureOut">
               <a:rPr lang="en-US" smtClean="0"/>
-              <a:t>4/27/2020</a:t>
+              <a:t>4/28/2020</a:t>
             </a:fld>
             <a:endParaRPr lang="en-US"/>
           </a:p>
@@ -1718,7 +1714,7 @@
           <a:p>
             <a:fld id="{056BA43D-4F59-4581-B073-FC1F9CDD6246}" type="datetimeFigureOut">
               <a:rPr lang="en-US" smtClean="0"/>
-              <a:t>4/27/2020</a:t>
+              <a:t>4/28/2020</a:t>
             </a:fld>
             <a:endParaRPr lang="en-US"/>
           </a:p>
@@ -1993,7 +1989,7 @@
           <a:p>
             <a:fld id="{056BA43D-4F59-4581-B073-FC1F9CDD6246}" type="datetimeFigureOut">
               <a:rPr lang="en-US" smtClean="0"/>
-              <a:t>4/27/2020</a:t>
+              <a:t>4/28/2020</a:t>
             </a:fld>
             <a:endParaRPr lang="en-US"/>
           </a:p>
@@ -2258,7 +2254,7 @@
           <a:p>
             <a:fld id="{056BA43D-4F59-4581-B073-FC1F9CDD6246}" type="datetimeFigureOut">
               <a:rPr lang="en-US" smtClean="0"/>
-              <a:t>4/27/2020</a:t>
+              <a:t>4/28/2020</a:t>
             </a:fld>
             <a:endParaRPr lang="en-US"/>
           </a:p>
@@ -2670,7 +2666,7 @@
           <a:p>
             <a:fld id="{056BA43D-4F59-4581-B073-FC1F9CDD6246}" type="datetimeFigureOut">
               <a:rPr lang="en-US" smtClean="0"/>
-              <a:t>4/27/2020</a:t>
+              <a:t>4/28/2020</a:t>
             </a:fld>
             <a:endParaRPr lang="en-US"/>
           </a:p>
@@ -2811,7 +2807,7 @@
           <a:p>
             <a:fld id="{056BA43D-4F59-4581-B073-FC1F9CDD6246}" type="datetimeFigureOut">
               <a:rPr lang="en-US" smtClean="0"/>
-              <a:t>4/27/2020</a:t>
+              <a:t>4/28/2020</a:t>
             </a:fld>
             <a:endParaRPr lang="en-US"/>
           </a:p>
@@ -2924,7 +2920,7 @@
           <a:p>
             <a:fld id="{056BA43D-4F59-4581-B073-FC1F9CDD6246}" type="datetimeFigureOut">
               <a:rPr lang="en-US" smtClean="0"/>
-              <a:t>4/27/2020</a:t>
+              <a:t>4/28/2020</a:t>
             </a:fld>
             <a:endParaRPr lang="en-US"/>
           </a:p>
@@ -3235,7 +3231,7 @@
           <a:p>
             <a:fld id="{056BA43D-4F59-4581-B073-FC1F9CDD6246}" type="datetimeFigureOut">
               <a:rPr lang="en-US" smtClean="0"/>
-              <a:t>4/27/2020</a:t>
+              <a:t>4/28/2020</a:t>
             </a:fld>
             <a:endParaRPr lang="en-US"/>
           </a:p>
@@ -3523,7 +3519,7 @@
           <a:p>
             <a:fld id="{056BA43D-4F59-4581-B073-FC1F9CDD6246}" type="datetimeFigureOut">
               <a:rPr lang="en-US" smtClean="0"/>
-              <a:t>4/27/2020</a:t>
+              <a:t>4/28/2020</a:t>
             </a:fld>
             <a:endParaRPr lang="en-US"/>
           </a:p>
@@ -3764,7 +3760,7 @@
           <a:p>
             <a:fld id="{056BA43D-4F59-4581-B073-FC1F9CDD6246}" type="datetimeFigureOut">
               <a:rPr lang="en-US" smtClean="0"/>
-              <a:t>4/27/2020</a:t>
+              <a:t>4/28/2020</a:t>
             </a:fld>
             <a:endParaRPr lang="en-US"/>
           </a:p>
@@ -4316,7 +4312,7 @@
             </a:pPr>
             <a:r>
               <a:rPr lang="en-US" sz="1800" dirty="0"/>
-              <a:t>Created a new feature Recency.</a:t>
+              <a:t>Created a new feature Recency – Difference between maximum order date and actual order date</a:t>
             </a:r>
           </a:p>
           <a:p>
@@ -4392,7 +4388,7 @@
               <a:rPr lang="en-US" sz="4400" dirty="0">
                 <a:latin typeface="+mj-lt"/>
               </a:rPr>
-              <a:t>Recency Distribution </a:t>
+              <a:t>Recency Distribution - EDA </a:t>
             </a:r>
           </a:p>
         </p:txBody>
@@ -4432,7 +4428,7 @@
           <p:cNvPr id="2" name="Picture 1">
             <a:extLst>
               <a:ext uri="{FF2B5EF4-FFF2-40B4-BE49-F238E27FC236}">
-                <a16:creationId xmlns:a16="http://schemas.microsoft.com/office/drawing/2014/main" id="{A8F0CEF1-3771-46FE-BEBD-C4D7FDE9CE2C}"/>
+                <a16:creationId xmlns:a16="http://schemas.microsoft.com/office/drawing/2014/main" id="{29C5F961-1896-40B4-AF41-8FB3D0573259}"/>
               </a:ext>
             </a:extLst>
           </p:cNvPr>
@@ -4449,20 +4445,50 @@
         </p:blipFill>
         <p:spPr>
           <a:xfrm>
-            <a:off x="596900" y="1237901"/>
-            <a:ext cx="4511676" cy="4382198"/>
+            <a:off x="713851" y="1796269"/>
+            <a:ext cx="4462583" cy="3349168"/>
           </a:xfrm>
           <a:prstGeom prst="rect">
             <a:avLst/>
           </a:prstGeom>
         </p:spPr>
       </p:pic>
-      <p:sp>
-        <p:nvSpPr>
-          <p:cNvPr id="3" name="TextBox 2">
-            <a:extLst>
-              <a:ext uri="{FF2B5EF4-FFF2-40B4-BE49-F238E27FC236}">
-                <a16:creationId xmlns:a16="http://schemas.microsoft.com/office/drawing/2014/main" id="{14299334-7159-45AF-8EBB-F1FEE34B9B1F}"/>
+      <p:pic>
+        <p:nvPicPr>
+          <p:cNvPr id="3" name="Picture 2">
+            <a:extLst>
+              <a:ext uri="{FF2B5EF4-FFF2-40B4-BE49-F238E27FC236}">
+                <a16:creationId xmlns:a16="http://schemas.microsoft.com/office/drawing/2014/main" id="{5AA29846-4E39-46AA-BF62-AA189EDFA579}"/>
+              </a:ext>
+            </a:extLst>
+          </p:cNvPr>
+          <p:cNvPicPr>
+            <a:picLocks noChangeAspect="1"/>
+          </p:cNvPicPr>
+          <p:nvPr/>
+        </p:nvPicPr>
+        <p:blipFill>
+          <a:blip r:embed="rId3"/>
+          <a:stretch>
+            <a:fillRect/>
+          </a:stretch>
+        </p:blipFill>
+        <p:spPr>
+          <a:xfrm>
+            <a:off x="5305424" y="1957791"/>
+            <a:ext cx="6395795" cy="3187646"/>
+          </a:xfrm>
+          <a:prstGeom prst="rect">
+            <a:avLst/>
+          </a:prstGeom>
+        </p:spPr>
+      </p:pic>
+      <p:sp>
+        <p:nvSpPr>
+          <p:cNvPr id="4" name="TextBox 3">
+            <a:extLst>
+              <a:ext uri="{FF2B5EF4-FFF2-40B4-BE49-F238E27FC236}">
+                <a16:creationId xmlns:a16="http://schemas.microsoft.com/office/drawing/2014/main" id="{202D9987-B94F-4FCD-B3BE-40EFAF2FE2A9}"/>
               </a:ext>
             </a:extLst>
           </p:cNvPr>
@@ -4471,8 +4497,8 @@
         </p:nvSpPr>
         <p:spPr>
           <a:xfrm>
-            <a:off x="6095999" y="2628900"/>
-            <a:ext cx="5383237" cy="1754326"/>
+            <a:off x="956603" y="5145437"/>
+            <a:ext cx="9959926" cy="2031325"/>
           </a:xfrm>
           <a:prstGeom prst="rect">
             <a:avLst/>
@@ -4491,7 +4517,7 @@
             </a:pPr>
             <a:r>
               <a:rPr lang="en-US" dirty="0"/>
-              <a:t>The target variable revenue is not normally distributed to use Linear regression algorithm. </a:t>
+              <a:t>Used Elbow Method to identify optimal k value(here 4) </a:t>
             </a:r>
           </a:p>
           <a:p>
@@ -4508,17 +4534,48 @@
             </a:pPr>
             <a:r>
               <a:rPr lang="en-US" dirty="0"/>
-              <a:t>Created a base Decision Tree model and as the number of trees increased, the average prediction error decreased. </a:t>
-            </a:r>
-          </a:p>
-        </p:txBody>
-      </p:sp>
-      <p:sp>
-        <p:nvSpPr>
-          <p:cNvPr id="4" name="TextBox 3">
-            <a:extLst>
-              <a:ext uri="{FF2B5EF4-FFF2-40B4-BE49-F238E27FC236}">
-                <a16:creationId xmlns:a16="http://schemas.microsoft.com/office/drawing/2014/main" id="{44EBD1FB-5B01-4D92-83F4-725BAF120523}"/>
+              <a:t>Divided Recency into 4 clusters</a:t>
+            </a:r>
+          </a:p>
+          <a:p>
+            <a:pPr marL="285750" indent="-285750">
+              <a:buFont typeface="Arial" panose="020B0604020202020204" pitchFamily="34" charset="0"/>
+              <a:buChar char="•"/>
+            </a:pPr>
+            <a:endParaRPr lang="en-US" dirty="0"/>
+          </a:p>
+          <a:p>
+            <a:pPr marL="285750" indent="-285750">
+              <a:buFont typeface="Arial" panose="020B0604020202020204" pitchFamily="34" charset="0"/>
+              <a:buChar char="•"/>
+            </a:pPr>
+            <a:r>
+              <a:rPr lang="en-US" dirty="0"/>
+              <a:t>Recency 0 - Very Old , Recency1 – Less Recent, Receny2- Recent, Recency3 - Old</a:t>
+            </a:r>
+          </a:p>
+          <a:p>
+            <a:pPr marL="285750" indent="-285750">
+              <a:buFont typeface="Arial" panose="020B0604020202020204" pitchFamily="34" charset="0"/>
+              <a:buChar char="•"/>
+            </a:pPr>
+            <a:endParaRPr lang="en-US" dirty="0"/>
+          </a:p>
+          <a:p>
+            <a:pPr marL="285750" indent="-285750">
+              <a:buFont typeface="Arial" panose="020B0604020202020204" pitchFamily="34" charset="0"/>
+              <a:buChar char="•"/>
+            </a:pPr>
+            <a:endParaRPr lang="en-US" dirty="0"/>
+          </a:p>
+        </p:txBody>
+      </p:sp>
+      <p:sp>
+        <p:nvSpPr>
+          <p:cNvPr id="5" name="TextBox 4">
+            <a:extLst>
+              <a:ext uri="{FF2B5EF4-FFF2-40B4-BE49-F238E27FC236}">
+                <a16:creationId xmlns:a16="http://schemas.microsoft.com/office/drawing/2014/main" id="{F0A2680B-E37A-41E5-BBDB-58FCE1D61F88}"/>
               </a:ext>
             </a:extLst>
           </p:cNvPr>
@@ -4527,8 +4584,8 @@
         </p:nvSpPr>
         <p:spPr>
           <a:xfrm>
-            <a:off x="332509" y="263236"/>
-            <a:ext cx="8811491" cy="769441"/>
+            <a:off x="815926" y="407963"/>
+            <a:ext cx="10100603" cy="769441"/>
           </a:xfrm>
           <a:prstGeom prst="rect">
             <a:avLst/>
@@ -4545,7 +4602,7 @@
               <a:rPr lang="en-US" sz="4400" dirty="0">
                 <a:latin typeface="+mj-lt"/>
               </a:rPr>
-              <a:t>Model Selection</a:t>
+              <a:t>K-Means Clustering for Recency Feature</a:t>
             </a:r>
           </a:p>
         </p:txBody>
@@ -4553,7 +4610,7 @@
     </p:spTree>
     <p:extLst>
       <p:ext uri="{BB962C8B-B14F-4D97-AF65-F5344CB8AC3E}">
-        <p14:creationId xmlns:p14="http://schemas.microsoft.com/office/powerpoint/2010/main" val="3607628493"/>
+        <p14:creationId xmlns:p14="http://schemas.microsoft.com/office/powerpoint/2010/main" val="1319111529"/>
       </p:ext>
     </p:extLst>
   </p:cSld>
@@ -4582,10 +4639,40 @@
       </p:grpSpPr>
       <p:pic>
         <p:nvPicPr>
-          <p:cNvPr id="4" name="Picture 3">
-            <a:extLst>
-              <a:ext uri="{FF2B5EF4-FFF2-40B4-BE49-F238E27FC236}">
-                <a16:creationId xmlns:a16="http://schemas.microsoft.com/office/drawing/2014/main" id="{1214BAFE-5554-487C-AEBC-87EDCDF6E89E}"/>
+          <p:cNvPr id="2" name="Picture 1">
+            <a:extLst>
+              <a:ext uri="{FF2B5EF4-FFF2-40B4-BE49-F238E27FC236}">
+                <a16:creationId xmlns:a16="http://schemas.microsoft.com/office/drawing/2014/main" id="{7A524287-2E52-4A4A-8D22-75095274691F}"/>
+              </a:ext>
+            </a:extLst>
+          </p:cNvPr>
+          <p:cNvPicPr>
+            <a:picLocks noChangeAspect="1"/>
+          </p:cNvPicPr>
+          <p:nvPr/>
+        </p:nvPicPr>
+        <p:blipFill>
+          <a:blip r:embed="rId2"/>
+          <a:stretch>
+            <a:fillRect/>
+          </a:stretch>
+        </p:blipFill>
+        <p:spPr>
+          <a:xfrm>
+            <a:off x="647114" y="1237302"/>
+            <a:ext cx="4870283" cy="3390969"/>
+          </a:xfrm>
+          <a:prstGeom prst="rect">
+            <a:avLst/>
+          </a:prstGeom>
+        </p:spPr>
+      </p:pic>
+      <p:pic>
+        <p:nvPicPr>
+          <p:cNvPr id="3" name="Picture 2">
+            <a:extLst>
+              <a:ext uri="{FF2B5EF4-FFF2-40B4-BE49-F238E27FC236}">
+                <a16:creationId xmlns:a16="http://schemas.microsoft.com/office/drawing/2014/main" id="{0492726F-93E6-42EE-870A-2E2D82DBEBAF}"/>
               </a:ext>
             </a:extLst>
           </p:cNvPr>
@@ -4602,18 +4689,145 @@
         </p:blipFill>
         <p:spPr>
           <a:xfrm>
-            <a:off x="550719" y="367578"/>
-            <a:ext cx="10144990" cy="6122843"/>
+            <a:off x="5517397" y="1494479"/>
+            <a:ext cx="6293603" cy="2894641"/>
           </a:xfrm>
           <a:prstGeom prst="rect">
             <a:avLst/>
           </a:prstGeom>
         </p:spPr>
       </p:pic>
+      <p:sp>
+        <p:nvSpPr>
+          <p:cNvPr id="4" name="TextBox 3">
+            <a:extLst>
+              <a:ext uri="{FF2B5EF4-FFF2-40B4-BE49-F238E27FC236}">
+                <a16:creationId xmlns:a16="http://schemas.microsoft.com/office/drawing/2014/main" id="{FE4928FF-5E0C-4420-9993-0D1F081472F7}"/>
+              </a:ext>
+            </a:extLst>
+          </p:cNvPr>
+          <p:cNvSpPr txBox="1"/>
+          <p:nvPr/>
+        </p:nvSpPr>
+        <p:spPr>
+          <a:xfrm>
+            <a:off x="752621" y="4743535"/>
+            <a:ext cx="10686757" cy="2031325"/>
+          </a:xfrm>
+          <a:prstGeom prst="rect">
+            <a:avLst/>
+          </a:prstGeom>
+          <a:noFill/>
+        </p:spPr>
+        <p:txBody>
+          <a:bodyPr wrap="square" rtlCol="0">
+            <a:spAutoFit/>
+          </a:bodyPr>
+          <a:lstStyle/>
+          <a:p>
+            <a:pPr marL="285750" indent="-285750">
+              <a:buFont typeface="Arial" panose="020B0604020202020204" pitchFamily="34" charset="0"/>
+              <a:buChar char="•"/>
+            </a:pPr>
+            <a:r>
+              <a:rPr lang="en-US" dirty="0"/>
+              <a:t>There are 72 distinct product categories</a:t>
+            </a:r>
+          </a:p>
+          <a:p>
+            <a:pPr marL="285750" indent="-285750">
+              <a:buFont typeface="Arial" panose="020B0604020202020204" pitchFamily="34" charset="0"/>
+              <a:buChar char="•"/>
+            </a:pPr>
+            <a:endParaRPr lang="en-US" dirty="0"/>
+          </a:p>
+          <a:p>
+            <a:pPr marL="285750" indent="-285750">
+              <a:buFont typeface="Arial" panose="020B0604020202020204" pitchFamily="34" charset="0"/>
+              <a:buChar char="•"/>
+            </a:pPr>
+            <a:r>
+              <a:rPr lang="en-US" dirty="0"/>
+              <a:t>Created New feature category count (the count of various product categories)</a:t>
+            </a:r>
+          </a:p>
+          <a:p>
+            <a:pPr marL="285750" indent="-285750">
+              <a:buFont typeface="Arial" panose="020B0604020202020204" pitchFamily="34" charset="0"/>
+              <a:buChar char="•"/>
+            </a:pPr>
+            <a:endParaRPr lang="en-US" dirty="0"/>
+          </a:p>
+          <a:p>
+            <a:pPr marL="285750" indent="-285750">
+              <a:buFont typeface="Arial" panose="020B0604020202020204" pitchFamily="34" charset="0"/>
+              <a:buChar char="•"/>
+            </a:pPr>
+            <a:r>
+              <a:rPr lang="en-US" dirty="0"/>
+              <a:t>Used K-means elbow method and clustered into 3 categories</a:t>
+            </a:r>
+          </a:p>
+          <a:p>
+            <a:pPr marL="285750" indent="-285750">
+              <a:buFont typeface="Arial" panose="020B0604020202020204" pitchFamily="34" charset="0"/>
+              <a:buChar char="•"/>
+            </a:pPr>
+            <a:endParaRPr lang="en-US" dirty="0"/>
+          </a:p>
+          <a:p>
+            <a:pPr marL="285750" indent="-285750">
+              <a:buFont typeface="Arial" panose="020B0604020202020204" pitchFamily="34" charset="0"/>
+              <a:buChar char="•"/>
+            </a:pPr>
+            <a:r>
+              <a:rPr lang="en-US" dirty="0"/>
+              <a:t>Category0 – High, Category1 – Medium, Category2 - Low</a:t>
+            </a:r>
+          </a:p>
+        </p:txBody>
+      </p:sp>
+      <p:sp>
+        <p:nvSpPr>
+          <p:cNvPr id="5" name="TextBox 4">
+            <a:extLst>
+              <a:ext uri="{FF2B5EF4-FFF2-40B4-BE49-F238E27FC236}">
+                <a16:creationId xmlns:a16="http://schemas.microsoft.com/office/drawing/2014/main" id="{83B91D80-0ACD-4C87-89FE-6FFB48AF3562}"/>
+              </a:ext>
+            </a:extLst>
+          </p:cNvPr>
+          <p:cNvSpPr txBox="1"/>
+          <p:nvPr/>
+        </p:nvSpPr>
+        <p:spPr>
+          <a:xfrm>
+            <a:off x="858129" y="323557"/>
+            <a:ext cx="10522634" cy="646331"/>
+          </a:xfrm>
+          <a:prstGeom prst="rect">
+            <a:avLst/>
+          </a:prstGeom>
+          <a:noFill/>
+        </p:spPr>
+        <p:txBody>
+          <a:bodyPr wrap="square" rtlCol="0">
+            <a:spAutoFit/>
+          </a:bodyPr>
+          <a:lstStyle/>
+          <a:p>
+            <a:r>
+              <a:rPr lang="en-US" sz="3600" dirty="0">
+                <a:latin typeface="+mj-lt"/>
+              </a:rPr>
+              <a:t>K-Means Clustering for Product Category Count Feature</a:t>
+            </a:r>
+          </a:p>
+        </p:txBody>
+      </p:sp>
     </p:spTree>
     <p:extLst>
       <p:ext uri="{BB962C8B-B14F-4D97-AF65-F5344CB8AC3E}">
-        <p14:creationId xmlns:p14="http://schemas.microsoft.com/office/powerpoint/2010/main" val="4097952805"/>
+        <p14:creationId xmlns:p14="http://schemas.microsoft.com/office/powerpoint/2010/main" val="34122204"/>
       </p:ext>
     </p:extLst>
   </p:cSld>
@@ -4645,7 +4859,7 @@
           <p:cNvPr id="2" name="Picture 1">
             <a:extLst>
               <a:ext uri="{FF2B5EF4-FFF2-40B4-BE49-F238E27FC236}">
-                <a16:creationId xmlns:a16="http://schemas.microsoft.com/office/drawing/2014/main" id="{FB75FD46-4460-48DF-9D92-2C15284253C7}"/>
+                <a16:creationId xmlns:a16="http://schemas.microsoft.com/office/drawing/2014/main" id="{7D9E6993-5B86-4317-A45C-DF1DD18CBF69}"/>
               </a:ext>
             </a:extLst>
           </p:cNvPr>
@@ -4662,8 +4876,8 @@
         </p:blipFill>
         <p:spPr>
           <a:xfrm>
-            <a:off x="341431" y="1357745"/>
-            <a:ext cx="6521082" cy="3948545"/>
+            <a:off x="557940" y="1504240"/>
+            <a:ext cx="5979520" cy="4199137"/>
           </a:xfrm>
           <a:prstGeom prst="rect">
             <a:avLst/>
@@ -4675,7 +4889,7 @@
           <p:cNvPr id="3" name="TextBox 2">
             <a:extLst>
               <a:ext uri="{FF2B5EF4-FFF2-40B4-BE49-F238E27FC236}">
-                <a16:creationId xmlns:a16="http://schemas.microsoft.com/office/drawing/2014/main" id="{95BE9FFE-3DB4-4698-BEAB-A7F14EC84632}"/>
+                <a16:creationId xmlns:a16="http://schemas.microsoft.com/office/drawing/2014/main" id="{4653377B-F6BA-4F45-A62B-C2DF1C01FE47}"/>
               </a:ext>
             </a:extLst>
           </p:cNvPr>
@@ -4684,8 +4898,8 @@
         </p:nvSpPr>
         <p:spPr>
           <a:xfrm>
-            <a:off x="7271292" y="1166842"/>
-            <a:ext cx="3851564" cy="4247317"/>
+            <a:off x="7175716" y="1997839"/>
+            <a:ext cx="4122549" cy="2862322"/>
           </a:xfrm>
           <a:prstGeom prst="rect">
             <a:avLst/>
@@ -4704,7 +4918,7 @@
             </a:pPr>
             <a:r>
               <a:rPr lang="en-US" dirty="0"/>
-              <a:t>There are 72 distinct product categories and the model wasn’t using all product categories in the model. </a:t>
+              <a:t>Created a Base decision tree model and predicted the revenue</a:t>
             </a:r>
           </a:p>
           <a:p>
@@ -4720,12 +4934,8 @@
               <a:buChar char="•"/>
             </a:pPr>
             <a:r>
-              <a:rPr lang="en-US" dirty="0" err="1"/>
-              <a:t>Kmodes</a:t>
-            </a:r>
-            <a:r>
               <a:rPr lang="en-US" dirty="0"/>
-              <a:t> algorithm efficiently groups categorical variables. </a:t>
+              <a:t>Created a second model by training the model on model1 errors</a:t>
             </a:r>
           </a:p>
           <a:p>
@@ -4742,7 +4952,7 @@
             </a:pPr>
             <a:r>
               <a:rPr lang="en-US" dirty="0"/>
-              <a:t>Created Product Category clusters with respect to Revenue.</a:t>
+              <a:t>Finally created an ensemble</a:t>
             </a:r>
           </a:p>
           <a:p>
@@ -4759,30 +4969,8 @@
             </a:pPr>
             <a:r>
               <a:rPr lang="en-US" dirty="0"/>
-              <a:t>The cost function reduced at k=4.</a:t>
-            </a:r>
-          </a:p>
-          <a:p>
-            <a:pPr marL="285750" indent="-285750">
-              <a:buFont typeface="Arial" panose="020B0604020202020204" pitchFamily="34" charset="0"/>
-              <a:buChar char="•"/>
-            </a:pPr>
-            <a:endParaRPr lang="en-US" dirty="0"/>
-          </a:p>
-          <a:p>
-            <a:pPr marL="285750" indent="-285750">
-              <a:buFont typeface="Arial" panose="020B0604020202020204" pitchFamily="34" charset="0"/>
-              <a:buChar char="•"/>
-            </a:pPr>
-            <a:r>
-              <a:rPr lang="en-US" dirty="0"/>
-              <a:t>Created 4 clusters and removed product </a:t>
-            </a:r>
-            <a:r>
-              <a:rPr lang="en-US"/>
-              <a:t>category features. </a:t>
-            </a:r>
-            <a:endParaRPr lang="en-US" dirty="0"/>
+              <a:t>The ensemble now has lower error compared to model1</a:t>
+            </a:r>
           </a:p>
         </p:txBody>
       </p:sp>
@@ -4791,7 +4979,7 @@
           <p:cNvPr id="4" name="TextBox 3">
             <a:extLst>
               <a:ext uri="{FF2B5EF4-FFF2-40B4-BE49-F238E27FC236}">
-                <a16:creationId xmlns:a16="http://schemas.microsoft.com/office/drawing/2014/main" id="{F3AA7E98-A76C-47D7-95AA-F3A646C111AD}"/>
+                <a16:creationId xmlns:a16="http://schemas.microsoft.com/office/drawing/2014/main" id="{D6FBFE1D-064C-4794-A0B1-11AF60EB73DB}"/>
               </a:ext>
             </a:extLst>
           </p:cNvPr>
@@ -4800,8 +4988,8 @@
         </p:nvSpPr>
         <p:spPr>
           <a:xfrm>
-            <a:off x="526473" y="318655"/>
-            <a:ext cx="7412182" cy="769441"/>
+            <a:off x="557940" y="325464"/>
+            <a:ext cx="9329979" cy="769441"/>
           </a:xfrm>
           <a:prstGeom prst="rect">
             <a:avLst/>
@@ -4815,16 +5003,10 @@
           <a:lstStyle/>
           <a:p>
             <a:r>
-              <a:rPr lang="en-US" sz="4400" dirty="0" err="1">
-                <a:latin typeface="+mj-lt"/>
-              </a:rPr>
-              <a:t>Kmodes</a:t>
-            </a:r>
-            <a:r>
               <a:rPr lang="en-US" sz="4400" dirty="0">
                 <a:latin typeface="+mj-lt"/>
               </a:rPr>
-              <a:t> Algorithm</a:t>
+              <a:t>Base Model</a:t>
             </a:r>
           </a:p>
         </p:txBody>
@@ -4832,7 +5014,7 @@
     </p:spTree>
     <p:extLst>
       <p:ext uri="{BB962C8B-B14F-4D97-AF65-F5344CB8AC3E}">
-        <p14:creationId xmlns:p14="http://schemas.microsoft.com/office/powerpoint/2010/main" val="803611260"/>
+        <p14:creationId xmlns:p14="http://schemas.microsoft.com/office/powerpoint/2010/main" val="3805026250"/>
       </p:ext>
     </p:extLst>
   </p:cSld>
@@ -4859,12 +5041,49 @@
           <a:chExt cx="0" cy="0"/>
         </a:xfrm>
       </p:grpSpPr>
+      <p:sp>
+        <p:nvSpPr>
+          <p:cNvPr id="3" name="TextBox 2">
+            <a:extLst>
+              <a:ext uri="{FF2B5EF4-FFF2-40B4-BE49-F238E27FC236}">
+                <a16:creationId xmlns:a16="http://schemas.microsoft.com/office/drawing/2014/main" id="{5926B276-FBD7-45CB-B200-E5DC8BFB57F8}"/>
+              </a:ext>
+            </a:extLst>
+          </p:cNvPr>
+          <p:cNvSpPr txBox="1"/>
+          <p:nvPr/>
+        </p:nvSpPr>
+        <p:spPr>
+          <a:xfrm>
+            <a:off x="1274618" y="166255"/>
+            <a:ext cx="6026727" cy="769441"/>
+          </a:xfrm>
+          <a:prstGeom prst="rect">
+            <a:avLst/>
+          </a:prstGeom>
+          <a:noFill/>
+        </p:spPr>
+        <p:txBody>
+          <a:bodyPr wrap="square" rtlCol="0">
+            <a:spAutoFit/>
+          </a:bodyPr>
+          <a:lstStyle/>
+          <a:p>
+            <a:r>
+              <a:rPr lang="en-US" sz="4400" dirty="0">
+                <a:latin typeface="+mj-lt"/>
+              </a:rPr>
+              <a:t>Correlation </a:t>
+            </a:r>
+          </a:p>
+        </p:txBody>
+      </p:sp>
       <p:pic>
         <p:nvPicPr>
-          <p:cNvPr id="2" name="Picture 1">
-            <a:extLst>
-              <a:ext uri="{FF2B5EF4-FFF2-40B4-BE49-F238E27FC236}">
-                <a16:creationId xmlns:a16="http://schemas.microsoft.com/office/drawing/2014/main" id="{00A17CEA-A586-4543-BCF4-E59F529D3C57}"/>
+          <p:cNvPr id="5" name="Picture 4">
+            <a:extLst>
+              <a:ext uri="{FF2B5EF4-FFF2-40B4-BE49-F238E27FC236}">
+                <a16:creationId xmlns:a16="http://schemas.microsoft.com/office/drawing/2014/main" id="{E77655B8-9A99-4660-8211-D16FD150DEFA}"/>
               </a:ext>
             </a:extLst>
           </p:cNvPr>
@@ -4881,51 +5100,14 @@
         </p:blipFill>
         <p:spPr>
           <a:xfrm>
-            <a:off x="1385454" y="1136073"/>
-            <a:ext cx="8659091" cy="5375564"/>
+            <a:off x="1571990" y="922774"/>
+            <a:ext cx="7740822" cy="5935226"/>
           </a:xfrm>
           <a:prstGeom prst="rect">
             <a:avLst/>
           </a:prstGeom>
         </p:spPr>
       </p:pic>
-      <p:sp>
-        <p:nvSpPr>
-          <p:cNvPr id="3" name="TextBox 2">
-            <a:extLst>
-              <a:ext uri="{FF2B5EF4-FFF2-40B4-BE49-F238E27FC236}">
-                <a16:creationId xmlns:a16="http://schemas.microsoft.com/office/drawing/2014/main" id="{5926B276-FBD7-45CB-B200-E5DC8BFB57F8}"/>
-              </a:ext>
-            </a:extLst>
-          </p:cNvPr>
-          <p:cNvSpPr txBox="1"/>
-          <p:nvPr/>
-        </p:nvSpPr>
-        <p:spPr>
-          <a:xfrm>
-            <a:off x="1274618" y="166255"/>
-            <a:ext cx="6026727" cy="769441"/>
-          </a:xfrm>
-          <a:prstGeom prst="rect">
-            <a:avLst/>
-          </a:prstGeom>
-          <a:noFill/>
-        </p:spPr>
-        <p:txBody>
-          <a:bodyPr wrap="square" rtlCol="0">
-            <a:spAutoFit/>
-          </a:bodyPr>
-          <a:lstStyle/>
-          <a:p>
-            <a:r>
-              <a:rPr lang="en-US" sz="4400" dirty="0">
-                <a:latin typeface="+mj-lt"/>
-              </a:rPr>
-              <a:t>Correlation </a:t>
-            </a:r>
-          </a:p>
-        </p:txBody>
-      </p:sp>
     </p:spTree>
     <p:extLst>
       <p:ext uri="{BB962C8B-B14F-4D97-AF65-F5344CB8AC3E}">
@@ -4961,7 +5143,7 @@
           <p:cNvPr id="2" name="Picture 1">
             <a:extLst>
               <a:ext uri="{FF2B5EF4-FFF2-40B4-BE49-F238E27FC236}">
-                <a16:creationId xmlns:a16="http://schemas.microsoft.com/office/drawing/2014/main" id="{0D51D32F-E4DD-4CF5-993F-12244BDA2CD1}"/>
+                <a16:creationId xmlns:a16="http://schemas.microsoft.com/office/drawing/2014/main" id="{A8F0CEF1-3771-46FE-BEBD-C4D7FDE9CE2C}"/>
               </a:ext>
             </a:extLst>
           </p:cNvPr>
@@ -4978,8 +5160,8 @@
         </p:blipFill>
         <p:spPr>
           <a:xfrm>
-            <a:off x="700953" y="1177636"/>
-            <a:ext cx="6655811" cy="4821382"/>
+            <a:off x="596900" y="1237901"/>
+            <a:ext cx="4511676" cy="4382198"/>
           </a:xfrm>
           <a:prstGeom prst="rect">
             <a:avLst/>
@@ -4991,7 +5173,7 @@
           <p:cNvPr id="3" name="TextBox 2">
             <a:extLst>
               <a:ext uri="{FF2B5EF4-FFF2-40B4-BE49-F238E27FC236}">
-                <a16:creationId xmlns:a16="http://schemas.microsoft.com/office/drawing/2014/main" id="{698CBB36-50C8-449A-AFE6-815088B01166}"/>
+                <a16:creationId xmlns:a16="http://schemas.microsoft.com/office/drawing/2014/main" id="{14299334-7159-45AF-8EBB-F1FEE34B9B1F}"/>
               </a:ext>
             </a:extLst>
           </p:cNvPr>
@@ -5000,8 +5182,8 @@
         </p:nvSpPr>
         <p:spPr>
           <a:xfrm>
-            <a:off x="7897091" y="2438400"/>
-            <a:ext cx="3413847" cy="2585323"/>
+            <a:off x="6095999" y="2628900"/>
+            <a:ext cx="5383237" cy="1754326"/>
           </a:xfrm>
           <a:prstGeom prst="rect">
             <a:avLst/>
@@ -5020,15 +5202,7 @@
             </a:pPr>
             <a:r>
               <a:rPr lang="en-US" dirty="0"/>
-              <a:t>Used an </a:t>
-            </a:r>
-            <a:r>
-              <a:rPr lang="en-US" dirty="0" err="1"/>
-              <a:t>XGBoost</a:t>
-            </a:r>
-            <a:r>
-              <a:rPr lang="en-US" dirty="0"/>
-              <a:t> ensemble to create the model. </a:t>
+              <a:t>The target variable revenue is not normally distributed to use Linear regression algorithm. </a:t>
             </a:r>
           </a:p>
           <a:p>
@@ -5045,40 +5219,8 @@
             </a:pPr>
             <a:r>
               <a:rPr lang="en-US" dirty="0"/>
-              <a:t>Used </a:t>
-            </a:r>
-            <a:r>
-              <a:rPr lang="en-US" dirty="0" err="1"/>
-              <a:t>GridSearchCV</a:t>
-            </a:r>
-            <a:r>
-              <a:rPr lang="en-US" dirty="0"/>
-              <a:t> to identify the best parameters. </a:t>
-            </a:r>
-          </a:p>
-          <a:p>
-            <a:pPr marL="285750" indent="-285750">
-              <a:buFont typeface="Arial" panose="020B0604020202020204" pitchFamily="34" charset="0"/>
-              <a:buChar char="•"/>
-            </a:pPr>
-            <a:endParaRPr lang="en-US" dirty="0"/>
-          </a:p>
-          <a:p>
-            <a:pPr marL="285750" indent="-285750">
-              <a:buFont typeface="Arial" panose="020B0604020202020204" pitchFamily="34" charset="0"/>
-              <a:buChar char="•"/>
-            </a:pPr>
-            <a:r>
-              <a:rPr lang="en-US" dirty="0"/>
-              <a:t>Log Loss Curve indicates no overfitting. </a:t>
-            </a:r>
-          </a:p>
-          <a:p>
-            <a:pPr marL="285750" indent="-285750">
-              <a:buFont typeface="Arial" panose="020B0604020202020204" pitchFamily="34" charset="0"/>
-              <a:buChar char="•"/>
-            </a:pPr>
-            <a:endParaRPr lang="en-US" dirty="0"/>
+              <a:t>Created a base Decision Tree model and as the number of trees increased, the average prediction error decreased. </a:t>
+            </a:r>
           </a:p>
         </p:txBody>
       </p:sp>
@@ -5087,7 +5229,7 @@
           <p:cNvPr id="4" name="TextBox 3">
             <a:extLst>
               <a:ext uri="{FF2B5EF4-FFF2-40B4-BE49-F238E27FC236}">
-                <a16:creationId xmlns:a16="http://schemas.microsoft.com/office/drawing/2014/main" id="{A5A6E2FB-8159-43C0-9626-DAFA8211D3EA}"/>
+                <a16:creationId xmlns:a16="http://schemas.microsoft.com/office/drawing/2014/main" id="{44EBD1FB-5B01-4D92-83F4-725BAF120523}"/>
               </a:ext>
             </a:extLst>
           </p:cNvPr>
@@ -5096,8 +5238,8 @@
         </p:nvSpPr>
         <p:spPr>
           <a:xfrm>
-            <a:off x="700953" y="263236"/>
-            <a:ext cx="6226320" cy="769441"/>
+            <a:off x="332509" y="263236"/>
+            <a:ext cx="8811491" cy="769441"/>
           </a:xfrm>
           <a:prstGeom prst="rect">
             <a:avLst/>
@@ -5111,16 +5253,10 @@
           <a:lstStyle/>
           <a:p>
             <a:r>
-              <a:rPr lang="en-US" sz="4400" dirty="0" err="1">
-                <a:latin typeface="+mj-lt"/>
-              </a:rPr>
-              <a:t>XGBoost</a:t>
-            </a:r>
-            <a:r>
               <a:rPr lang="en-US" sz="4400" dirty="0">
                 <a:latin typeface="+mj-lt"/>
               </a:rPr>
-              <a:t> Performance</a:t>
+              <a:t>Model Selection</a:t>
             </a:r>
           </a:p>
         </p:txBody>
@@ -5128,7 +5264,7 @@
     </p:spTree>
     <p:extLst>
       <p:ext uri="{BB962C8B-B14F-4D97-AF65-F5344CB8AC3E}">
-        <p14:creationId xmlns:p14="http://schemas.microsoft.com/office/powerpoint/2010/main" val="1674039594"/>
+        <p14:creationId xmlns:p14="http://schemas.microsoft.com/office/powerpoint/2010/main" val="3607628493"/>
       </p:ext>
     </p:extLst>
   </p:cSld>
@@ -5155,6 +5291,295 @@
           <a:chExt cx="0" cy="0"/>
         </a:xfrm>
       </p:grpSpPr>
+      <p:pic>
+        <p:nvPicPr>
+          <p:cNvPr id="2" name="Picture 1">
+            <a:extLst>
+              <a:ext uri="{FF2B5EF4-FFF2-40B4-BE49-F238E27FC236}">
+                <a16:creationId xmlns:a16="http://schemas.microsoft.com/office/drawing/2014/main" id="{0D51D32F-E4DD-4CF5-993F-12244BDA2CD1}"/>
+              </a:ext>
+            </a:extLst>
+          </p:cNvPr>
+          <p:cNvPicPr>
+            <a:picLocks noChangeAspect="1"/>
+          </p:cNvPicPr>
+          <p:nvPr/>
+        </p:nvPicPr>
+        <p:blipFill>
+          <a:blip r:embed="rId2"/>
+          <a:stretch>
+            <a:fillRect/>
+          </a:stretch>
+        </p:blipFill>
+        <p:spPr>
+          <a:xfrm>
+            <a:off x="700953" y="1177635"/>
+            <a:ext cx="6655811" cy="4998081"/>
+          </a:xfrm>
+          <a:prstGeom prst="rect">
+            <a:avLst/>
+          </a:prstGeom>
+        </p:spPr>
+      </p:pic>
+      <p:sp>
+        <p:nvSpPr>
+          <p:cNvPr id="3" name="TextBox 2">
+            <a:extLst>
+              <a:ext uri="{FF2B5EF4-FFF2-40B4-BE49-F238E27FC236}">
+                <a16:creationId xmlns:a16="http://schemas.microsoft.com/office/drawing/2014/main" id="{698CBB36-50C8-449A-AFE6-815088B01166}"/>
+              </a:ext>
+            </a:extLst>
+          </p:cNvPr>
+          <p:cNvSpPr txBox="1"/>
+          <p:nvPr/>
+        </p:nvSpPr>
+        <p:spPr>
+          <a:xfrm>
+            <a:off x="7897091" y="2438400"/>
+            <a:ext cx="3413847" cy="2585323"/>
+          </a:xfrm>
+          <a:prstGeom prst="rect">
+            <a:avLst/>
+          </a:prstGeom>
+          <a:noFill/>
+        </p:spPr>
+        <p:txBody>
+          <a:bodyPr wrap="square" rtlCol="0">
+            <a:spAutoFit/>
+          </a:bodyPr>
+          <a:lstStyle/>
+          <a:p>
+            <a:pPr marL="285750" indent="-285750">
+              <a:buFont typeface="Arial" panose="020B0604020202020204" pitchFamily="34" charset="0"/>
+              <a:buChar char="•"/>
+            </a:pPr>
+            <a:r>
+              <a:rPr lang="en-US" dirty="0"/>
+              <a:t>Used an </a:t>
+            </a:r>
+            <a:r>
+              <a:rPr lang="en-US" dirty="0" err="1"/>
+              <a:t>XGBoost</a:t>
+            </a:r>
+            <a:r>
+              <a:rPr lang="en-US" dirty="0"/>
+              <a:t> ensemble to create the best model. </a:t>
+            </a:r>
+          </a:p>
+          <a:p>
+            <a:pPr marL="285750" indent="-285750">
+              <a:buFont typeface="Arial" panose="020B0604020202020204" pitchFamily="34" charset="0"/>
+              <a:buChar char="•"/>
+            </a:pPr>
+            <a:endParaRPr lang="en-US" dirty="0"/>
+          </a:p>
+          <a:p>
+            <a:pPr marL="285750" indent="-285750">
+              <a:buFont typeface="Arial" panose="020B0604020202020204" pitchFamily="34" charset="0"/>
+              <a:buChar char="•"/>
+            </a:pPr>
+            <a:r>
+              <a:rPr lang="en-US" dirty="0"/>
+              <a:t>Used </a:t>
+            </a:r>
+            <a:r>
+              <a:rPr lang="en-US" dirty="0" err="1"/>
+              <a:t>GridSearchCV</a:t>
+            </a:r>
+            <a:r>
+              <a:rPr lang="en-US" dirty="0"/>
+              <a:t> to identify the best parameters. </a:t>
+            </a:r>
+          </a:p>
+          <a:p>
+            <a:pPr marL="285750" indent="-285750">
+              <a:buFont typeface="Arial" panose="020B0604020202020204" pitchFamily="34" charset="0"/>
+              <a:buChar char="•"/>
+            </a:pPr>
+            <a:endParaRPr lang="en-US" dirty="0"/>
+          </a:p>
+          <a:p>
+            <a:pPr marL="285750" indent="-285750">
+              <a:buFont typeface="Arial" panose="020B0604020202020204" pitchFamily="34" charset="0"/>
+              <a:buChar char="•"/>
+            </a:pPr>
+            <a:r>
+              <a:rPr lang="en-US" dirty="0"/>
+              <a:t>Log Loss Curve indicates no overfitting. </a:t>
+            </a:r>
+          </a:p>
+          <a:p>
+            <a:pPr marL="285750" indent="-285750">
+              <a:buFont typeface="Arial" panose="020B0604020202020204" pitchFamily="34" charset="0"/>
+              <a:buChar char="•"/>
+            </a:pPr>
+            <a:endParaRPr lang="en-US" dirty="0"/>
+          </a:p>
+        </p:txBody>
+      </p:sp>
+      <p:sp>
+        <p:nvSpPr>
+          <p:cNvPr id="4" name="TextBox 3">
+            <a:extLst>
+              <a:ext uri="{FF2B5EF4-FFF2-40B4-BE49-F238E27FC236}">
+                <a16:creationId xmlns:a16="http://schemas.microsoft.com/office/drawing/2014/main" id="{A5A6E2FB-8159-43C0-9626-DAFA8211D3EA}"/>
+              </a:ext>
+            </a:extLst>
+          </p:cNvPr>
+          <p:cNvSpPr txBox="1"/>
+          <p:nvPr/>
+        </p:nvSpPr>
+        <p:spPr>
+          <a:xfrm>
+            <a:off x="700953" y="263236"/>
+            <a:ext cx="6226320" cy="769441"/>
+          </a:xfrm>
+          <a:prstGeom prst="rect">
+            <a:avLst/>
+          </a:prstGeom>
+          <a:noFill/>
+        </p:spPr>
+        <p:txBody>
+          <a:bodyPr wrap="square" rtlCol="0">
+            <a:spAutoFit/>
+          </a:bodyPr>
+          <a:lstStyle/>
+          <a:p>
+            <a:r>
+              <a:rPr lang="en-US" sz="4400" dirty="0" err="1">
+                <a:latin typeface="+mj-lt"/>
+              </a:rPr>
+              <a:t>XGBoost</a:t>
+            </a:r>
+            <a:r>
+              <a:rPr lang="en-US" sz="4400" dirty="0">
+                <a:latin typeface="+mj-lt"/>
+              </a:rPr>
+              <a:t> Performance</a:t>
+            </a:r>
+          </a:p>
+        </p:txBody>
+      </p:sp>
+      <p:pic>
+        <p:nvPicPr>
+          <p:cNvPr id="5" name="Picture 4">
+            <a:extLst>
+              <a:ext uri="{FF2B5EF4-FFF2-40B4-BE49-F238E27FC236}">
+                <a16:creationId xmlns:a16="http://schemas.microsoft.com/office/drawing/2014/main" id="{284A4F8B-4E9C-4187-8D0A-6E0FB83F4327}"/>
+              </a:ext>
+            </a:extLst>
+          </p:cNvPr>
+          <p:cNvPicPr>
+            <a:picLocks noChangeAspect="1"/>
+          </p:cNvPicPr>
+          <p:nvPr/>
+        </p:nvPicPr>
+        <p:blipFill>
+          <a:blip r:embed="rId3"/>
+          <a:stretch>
+            <a:fillRect/>
+          </a:stretch>
+        </p:blipFill>
+        <p:spPr>
+          <a:xfrm>
+            <a:off x="7493610" y="5023722"/>
+            <a:ext cx="4252913" cy="975295"/>
+          </a:xfrm>
+          <a:prstGeom prst="rect">
+            <a:avLst/>
+          </a:prstGeom>
+        </p:spPr>
+      </p:pic>
+    </p:spTree>
+    <p:extLst>
+      <p:ext uri="{BB962C8B-B14F-4D97-AF65-F5344CB8AC3E}">
+        <p14:creationId xmlns:p14="http://schemas.microsoft.com/office/powerpoint/2010/main" val="1674039594"/>
+      </p:ext>
+    </p:extLst>
+  </p:cSld>
+  <p:clrMapOvr>
+    <a:masterClrMapping/>
+  </p:clrMapOvr>
+</p:sld>
+</file>
+
+<file path=ppt/slides/slide17.xml><?xml version="1.0" encoding="utf-8"?>
+<p:sld xmlns:a="http://schemas.openxmlformats.org/drawingml/2006/main" xmlns:r="http://schemas.openxmlformats.org/officeDocument/2006/relationships" xmlns:p="http://schemas.openxmlformats.org/presentationml/2006/main">
+  <p:cSld>
+    <p:spTree>
+      <p:nvGrpSpPr>
+        <p:cNvPr id="1" name=""/>
+        <p:cNvGrpSpPr/>
+        <p:nvPr/>
+      </p:nvGrpSpPr>
+      <p:grpSpPr>
+        <a:xfrm>
+          <a:off x="0" y="0"/>
+          <a:ext cx="0" cy="0"/>
+          <a:chOff x="0" y="0"/>
+          <a:chExt cx="0" cy="0"/>
+        </a:xfrm>
+      </p:grpSpPr>
+      <p:pic>
+        <p:nvPicPr>
+          <p:cNvPr id="3" name="Picture 2">
+            <a:extLst>
+              <a:ext uri="{FF2B5EF4-FFF2-40B4-BE49-F238E27FC236}">
+                <a16:creationId xmlns:a16="http://schemas.microsoft.com/office/drawing/2014/main" id="{C123FA14-E6E7-457A-9FAF-C21099A76609}"/>
+              </a:ext>
+            </a:extLst>
+          </p:cNvPr>
+          <p:cNvPicPr>
+            <a:picLocks noChangeAspect="1"/>
+          </p:cNvPicPr>
+          <p:nvPr/>
+        </p:nvPicPr>
+        <p:blipFill>
+          <a:blip r:embed="rId3"/>
+          <a:stretch>
+            <a:fillRect/>
+          </a:stretch>
+        </p:blipFill>
+        <p:spPr>
+          <a:xfrm>
+            <a:off x="790414" y="28575"/>
+            <a:ext cx="9670942" cy="6800850"/>
+          </a:xfrm>
+          <a:prstGeom prst="rect">
+            <a:avLst/>
+          </a:prstGeom>
+        </p:spPr>
+      </p:pic>
+    </p:spTree>
+    <p:extLst>
+      <p:ext uri="{BB962C8B-B14F-4D97-AF65-F5344CB8AC3E}">
+        <p14:creationId xmlns:p14="http://schemas.microsoft.com/office/powerpoint/2010/main" val="1546785774"/>
+      </p:ext>
+    </p:extLst>
+  </p:cSld>
+  <p:clrMapOvr>
+    <a:masterClrMapping/>
+  </p:clrMapOvr>
+</p:sld>
+</file>
+
+<file path=ppt/slides/slide18.xml><?xml version="1.0" encoding="utf-8"?>
+<p:sld xmlns:a="http://schemas.openxmlformats.org/drawingml/2006/main" xmlns:r="http://schemas.openxmlformats.org/officeDocument/2006/relationships" xmlns:p="http://schemas.openxmlformats.org/presentationml/2006/main">
+  <p:cSld>
+    <p:spTree>
+      <p:nvGrpSpPr>
+        <p:cNvPr id="1" name=""/>
+        <p:cNvGrpSpPr/>
+        <p:nvPr/>
+      </p:nvGrpSpPr>
+      <p:grpSpPr>
+        <a:xfrm>
+          <a:off x="0" y="0"/>
+          <a:ext cx="0" cy="0"/>
+          <a:chOff x="0" y="0"/>
+          <a:chExt cx="0" cy="0"/>
+        </a:xfrm>
+      </p:grpSpPr>
       <p:sp>
         <p:nvSpPr>
           <p:cNvPr id="2" name="Title 1">
@@ -5198,7 +5623,7 @@
         <p:spPr>
           <a:xfrm>
             <a:off x="955963" y="1967344"/>
-            <a:ext cx="10515599" cy="3139321"/>
+            <a:ext cx="10515599" cy="3416320"/>
           </a:xfrm>
           <a:prstGeom prst="rect">
             <a:avLst/>
@@ -5248,7 +5673,7 @@
                 </a:solidFill>
                 <a:latin typeface="Helvetica Neue"/>
               </a:rPr>
-              <a:t>As the number of existing customers were less, I haven't included any frequency feature to cluster audience segments.</a:t>
+              <a:t>As the number of existing customers were less, I haven't included any related feature to cluster audience segments.</a:t>
             </a:r>
           </a:p>
           <a:p>
@@ -5290,7 +5715,7 @@
                 </a:solidFill>
                 <a:latin typeface="Helvetica Neue"/>
               </a:rPr>
-              <a:t>This model can be improved by adding new features.</a:t>
+              <a:t>The geographical locations of customers and sellers can determine why customers in few areas are purchasing more compared to the others.</a:t>
             </a:r>
           </a:p>
           <a:p>
@@ -5298,10 +5723,11 @@
               <a:buFont typeface="Arial" panose="020B0604020202020204" pitchFamily="34" charset="0"/>
               <a:buChar char="•"/>
             </a:pPr>
-            <a:endParaRPr lang="en-US" dirty="0">
+            <a:endParaRPr lang="en-US" b="0" i="0" dirty="0">
               <a:solidFill>
                 <a:srgbClr val="000000"/>
               </a:solidFill>
+              <a:effectLst/>
               <a:latin typeface="Helvetica Neue"/>
             </a:endParaRPr>
           </a:p>
@@ -5317,7 +5743,7 @@
                 </a:solidFill>
                 <a:latin typeface="Helvetica Neue"/>
               </a:rPr>
-              <a:t>The geographical locations of customers and sellers can determine why customers in few areas are purchasing more compared to the others.</a:t>
+              <a:t>Creating new segments with respect to customer behavior, channels can improve model’s performance. </a:t>
             </a:r>
             <a:endParaRPr lang="en-US" b="0" i="0" dirty="0">
               <a:solidFill>
@@ -5411,7 +5837,7 @@
         </p:spPr>
         <p:txBody>
           <a:bodyPr>
-            <a:normAutofit/>
+            <a:normAutofit lnSpcReduction="10000"/>
           </a:bodyPr>
           <a:lstStyle/>
           <a:p>
@@ -5439,6 +5865,61 @@
             <a:r>
               <a:rPr lang="en-US" dirty="0"/>
               <a:t> features were removed. </a:t>
+            </a:r>
+          </a:p>
+          <a:p>
+            <a:pPr algn="just"/>
+            <a:r>
+              <a:rPr lang="en-US" dirty="0"/>
+              <a:t>Finally a </a:t>
+            </a:r>
+            <a:r>
+              <a:rPr lang="en-US" dirty="0" err="1"/>
+              <a:t>dataframe</a:t>
+            </a:r>
+            <a:r>
+              <a:rPr lang="en-US" dirty="0"/>
+              <a:t> with </a:t>
+            </a:r>
+            <a:r>
+              <a:rPr lang="en-US" dirty="0" err="1"/>
+              <a:t>order_id</a:t>
+            </a:r>
+            <a:r>
+              <a:rPr lang="en-US" dirty="0"/>
+              <a:t>, </a:t>
+            </a:r>
+            <a:r>
+              <a:rPr lang="en-US" dirty="0" err="1"/>
+              <a:t>customer_id</a:t>
+            </a:r>
+            <a:r>
+              <a:rPr lang="en-US" dirty="0"/>
+              <a:t>, </a:t>
+            </a:r>
+            <a:r>
+              <a:rPr lang="en-US" dirty="0" err="1"/>
+              <a:t>customer_unique_id</a:t>
+            </a:r>
+            <a:r>
+              <a:rPr lang="en-US" dirty="0"/>
+              <a:t>, </a:t>
+            </a:r>
+            <a:r>
+              <a:rPr lang="en-US" dirty="0" err="1"/>
+              <a:t>product_category</a:t>
+            </a:r>
+            <a:r>
+              <a:rPr lang="en-US" dirty="0"/>
+              <a:t>, revenue, </a:t>
+            </a:r>
+            <a:r>
+              <a:rPr lang="en-US" dirty="0" err="1"/>
+              <a:t>order_date</a:t>
+            </a:r>
+            <a:r>
+              <a:rPr lang="en-US" dirty="0"/>
+              <a:t> was created. </a:t>
             </a:r>
           </a:p>
         </p:txBody>
@@ -5541,23 +6022,11 @@
             <a:endParaRPr lang="en-US" dirty="0"/>
           </a:p>
           <a:p>
+            <a:pPr algn="just"/>
             <a:r>
               <a:rPr lang="en-US" dirty="0"/>
-              <a:t>Understand how new vs existing customers are growing and what are their revenue contributions. </a:t>
-            </a:r>
-          </a:p>
-          <a:p>
-            <a:pPr algn="just"/>
-            <a:r>
-              <a:rPr lang="en-US" dirty="0"/>
-              <a:t>Predict the Revenue at transaction level and combine it with their customers. </a:t>
-            </a:r>
-          </a:p>
-          <a:p>
-            <a:pPr marL="0" indent="0">
-              <a:buNone/>
-            </a:pPr>
-            <a:endParaRPr lang="en-US" dirty="0"/>
+              <a:t>Predict the Customer Revenue at transaction level. </a:t>
+            </a:r>
           </a:p>
         </p:txBody>
       </p:sp>
@@ -6028,7 +6497,7 @@
               <a:rPr lang="en-US" sz="4400" dirty="0">
                 <a:latin typeface="+mj-lt"/>
               </a:rPr>
-              <a:t>Revenue Distribution </a:t>
+              <a:t>Revenue Distribution - EDA </a:t>
             </a:r>
           </a:p>
         </p:txBody>
@@ -6146,7 +6615,7 @@
         <p:spPr>
           <a:xfrm>
             <a:off x="512618" y="379286"/>
-            <a:ext cx="9282546" cy="769441"/>
+            <a:ext cx="9282546" cy="1446550"/>
           </a:xfrm>
           <a:prstGeom prst="rect">
             <a:avLst/>
@@ -6163,7 +6632,15 @@
               <a:rPr lang="en-US" sz="4400" dirty="0">
                 <a:latin typeface="+mj-lt"/>
               </a:rPr>
-              <a:t>Customer Distribution </a:t>
+              <a:t>Customer Distribution - EDA</a:t>
+            </a:r>
+          </a:p>
+          <a:p>
+            <a:r>
+              <a:rPr lang="en-US" sz="4400" dirty="0">
+                <a:latin typeface="+mj-lt"/>
+              </a:rPr>
+              <a:t> </a:t>
             </a:r>
           </a:p>
         </p:txBody>
@@ -6216,8 +6693,8 @@
         </p:nvSpPr>
         <p:spPr>
           <a:xfrm>
-            <a:off x="800100" y="5611090"/>
-            <a:ext cx="10553700" cy="867623"/>
+            <a:off x="800100" y="5881688"/>
+            <a:ext cx="10553700" cy="597026"/>
           </a:xfrm>
         </p:spPr>
         <p:txBody>
@@ -6231,25 +6708,17 @@
             </a:pPr>
             <a:r>
               <a:rPr lang="en-US" sz="1800" dirty="0"/>
-              <a:t>Existing customers Revenue contribution is negligible </a:t>
-            </a:r>
-            <a:r>
-              <a:rPr lang="en-US" sz="1800" dirty="0" err="1"/>
-              <a:t>i.e</a:t>
-            </a:r>
-            <a:r>
-              <a:rPr lang="en-US" sz="1800" dirty="0"/>
-              <a:t> organization wasn’t able to retain existing customers. </a:t>
+              <a:t>Average order is consistent across all months (except December 2016) </a:t>
             </a:r>
           </a:p>
         </p:txBody>
       </p:sp>
       <p:pic>
         <p:nvPicPr>
-          <p:cNvPr id="2" name="Picture 1">
-            <a:extLst>
-              <a:ext uri="{FF2B5EF4-FFF2-40B4-BE49-F238E27FC236}">
-                <a16:creationId xmlns:a16="http://schemas.microsoft.com/office/drawing/2014/main" id="{43C8B40E-0FD2-4F11-8D4F-9612ABC02E8F}"/>
+          <p:cNvPr id="3" name="Picture 2">
+            <a:extLst>
+              <a:ext uri="{FF2B5EF4-FFF2-40B4-BE49-F238E27FC236}">
+                <a16:creationId xmlns:a16="http://schemas.microsoft.com/office/drawing/2014/main" id="{DBBD6852-3035-4078-9FFF-79B39351AAA0}"/>
               </a:ext>
             </a:extLst>
           </p:cNvPr>
@@ -6266,8 +6735,8 @@
         </p:blipFill>
         <p:spPr>
           <a:xfrm>
-            <a:off x="895350" y="1246909"/>
-            <a:ext cx="10090150" cy="4034703"/>
+            <a:off x="685800" y="1212056"/>
+            <a:ext cx="10668000" cy="4433888"/>
           </a:xfrm>
           <a:prstGeom prst="rect">
             <a:avLst/>
@@ -6276,10 +6745,10 @@
       </p:pic>
       <p:sp>
         <p:nvSpPr>
-          <p:cNvPr id="3" name="TextBox 2">
-            <a:extLst>
-              <a:ext uri="{FF2B5EF4-FFF2-40B4-BE49-F238E27FC236}">
-                <a16:creationId xmlns:a16="http://schemas.microsoft.com/office/drawing/2014/main" id="{DC1B3C11-9B05-4C58-903A-6F7466E5EEBE}"/>
+          <p:cNvPr id="4" name="TextBox 3">
+            <a:extLst>
+              <a:ext uri="{FF2B5EF4-FFF2-40B4-BE49-F238E27FC236}">
+                <a16:creationId xmlns:a16="http://schemas.microsoft.com/office/drawing/2014/main" id="{C3EC076E-6B6F-4A48-872D-96296B97A2B9}"/>
               </a:ext>
             </a:extLst>
           </p:cNvPr>
@@ -6288,8 +6757,8 @@
         </p:nvSpPr>
         <p:spPr>
           <a:xfrm>
-            <a:off x="692727" y="235527"/>
-            <a:ext cx="9712037" cy="769441"/>
+            <a:off x="800100" y="235527"/>
+            <a:ext cx="7997536" cy="769441"/>
           </a:xfrm>
           <a:prstGeom prst="rect">
             <a:avLst/>
@@ -6306,7 +6775,7 @@
               <a:rPr lang="en-US" sz="4400" dirty="0">
                 <a:latin typeface="+mj-lt"/>
               </a:rPr>
-              <a:t>New Vs Existing Customers</a:t>
+              <a:t>Average Order Size -EDA </a:t>
             </a:r>
           </a:p>
         </p:txBody>
@@ -6314,7 +6783,7 @@
     </p:spTree>
     <p:extLst>
       <p:ext uri="{BB962C8B-B14F-4D97-AF65-F5344CB8AC3E}">
-        <p14:creationId xmlns:p14="http://schemas.microsoft.com/office/powerpoint/2010/main" val="3169058071"/>
+        <p14:creationId xmlns:p14="http://schemas.microsoft.com/office/powerpoint/2010/main" val="1197478798"/>
       </p:ext>
     </p:extLst>
   </p:cSld>
@@ -6359,32 +6828,51 @@
         </p:nvSpPr>
         <p:spPr>
           <a:xfrm>
-            <a:off x="800100" y="5881688"/>
-            <a:ext cx="10553700" cy="597026"/>
+            <a:off x="800100" y="5611090"/>
+            <a:ext cx="10553700" cy="867623"/>
           </a:xfrm>
         </p:spPr>
         <p:txBody>
           <a:bodyPr>
-            <a:normAutofit/>
+            <a:normAutofit fontScale="92500"/>
           </a:bodyPr>
           <a:lstStyle/>
           <a:p>
-            <a:pPr marL="0" indent="0">
-              <a:buNone/>
-            </a:pPr>
             <a:r>
               <a:rPr lang="en-US" sz="1800" dirty="0"/>
-              <a:t>Average order is consistent across all months (except December 2016) </a:t>
+              <a:t>Created a new feature </a:t>
+            </a:r>
+            <a:r>
+              <a:rPr lang="en-US" sz="1800" dirty="0" err="1"/>
+              <a:t>user_type</a:t>
+            </a:r>
+            <a:r>
+              <a:rPr lang="en-US" sz="1800" dirty="0"/>
+              <a:t> to distinguish New customer vs existing customer. </a:t>
+            </a:r>
+          </a:p>
+          <a:p>
+            <a:r>
+              <a:rPr lang="en-US" sz="1800" dirty="0"/>
+              <a:t>Existing customers Revenue contribution is negligible </a:t>
+            </a:r>
+            <a:r>
+              <a:rPr lang="en-US" sz="1800" dirty="0" err="1"/>
+              <a:t>i.e</a:t>
+            </a:r>
+            <a:r>
+              <a:rPr lang="en-US" sz="1800" dirty="0"/>
+              <a:t> organization wasn’t able to retain existing customers. </a:t>
             </a:r>
           </a:p>
         </p:txBody>
       </p:sp>
       <p:pic>
         <p:nvPicPr>
-          <p:cNvPr id="3" name="Picture 2">
-            <a:extLst>
-              <a:ext uri="{FF2B5EF4-FFF2-40B4-BE49-F238E27FC236}">
-                <a16:creationId xmlns:a16="http://schemas.microsoft.com/office/drawing/2014/main" id="{DBBD6852-3035-4078-9FFF-79B39351AAA0}"/>
+          <p:cNvPr id="2" name="Picture 1">
+            <a:extLst>
+              <a:ext uri="{FF2B5EF4-FFF2-40B4-BE49-F238E27FC236}">
+                <a16:creationId xmlns:a16="http://schemas.microsoft.com/office/drawing/2014/main" id="{43C8B40E-0FD2-4F11-8D4F-9612ABC02E8F}"/>
               </a:ext>
             </a:extLst>
           </p:cNvPr>
@@ -6401,8 +6889,8 @@
         </p:blipFill>
         <p:spPr>
           <a:xfrm>
-            <a:off x="685800" y="1212056"/>
-            <a:ext cx="10668000" cy="4433888"/>
+            <a:off x="895350" y="1246909"/>
+            <a:ext cx="10090150" cy="4034703"/>
           </a:xfrm>
           <a:prstGeom prst="rect">
             <a:avLst/>
@@ -6411,10 +6899,10 @@
       </p:pic>
       <p:sp>
         <p:nvSpPr>
-          <p:cNvPr id="4" name="TextBox 3">
-            <a:extLst>
-              <a:ext uri="{FF2B5EF4-FFF2-40B4-BE49-F238E27FC236}">
-                <a16:creationId xmlns:a16="http://schemas.microsoft.com/office/drawing/2014/main" id="{C3EC076E-6B6F-4A48-872D-96296B97A2B9}"/>
+          <p:cNvPr id="3" name="TextBox 2">
+            <a:extLst>
+              <a:ext uri="{FF2B5EF4-FFF2-40B4-BE49-F238E27FC236}">
+                <a16:creationId xmlns:a16="http://schemas.microsoft.com/office/drawing/2014/main" id="{DC1B3C11-9B05-4C58-903A-6F7466E5EEBE}"/>
               </a:ext>
             </a:extLst>
           </p:cNvPr>
@@ -6423,8 +6911,8 @@
         </p:nvSpPr>
         <p:spPr>
           <a:xfrm>
-            <a:off x="800100" y="235527"/>
-            <a:ext cx="7997536" cy="769441"/>
+            <a:off x="692727" y="235527"/>
+            <a:ext cx="9712037" cy="769441"/>
           </a:xfrm>
           <a:prstGeom prst="rect">
             <a:avLst/>
@@ -6441,7 +6929,7 @@
               <a:rPr lang="en-US" sz="4400" dirty="0">
                 <a:latin typeface="+mj-lt"/>
               </a:rPr>
-              <a:t>Average Order Size </a:t>
+              <a:t>New Vs Existing Customers - EDA</a:t>
             </a:r>
           </a:p>
         </p:txBody>
@@ -6449,7 +6937,7 @@
     </p:spTree>
     <p:extLst>
       <p:ext uri="{BB962C8B-B14F-4D97-AF65-F5344CB8AC3E}">
-        <p14:creationId xmlns:p14="http://schemas.microsoft.com/office/powerpoint/2010/main" val="1197478798"/>
+        <p14:creationId xmlns:p14="http://schemas.microsoft.com/office/powerpoint/2010/main" val="3169058071"/>
       </p:ext>
     </p:extLst>
   </p:cSld>
